--- a/html/class/lesson_six/lesson_six.pptx
+++ b/html/class/lesson_six/lesson_six.pptx
@@ -12,15 +12,14 @@
     <p:sldId id="951" r:id="rId5"/>
     <p:sldId id="996" r:id="rId6"/>
     <p:sldId id="995" r:id="rId7"/>
-    <p:sldId id="1006" r:id="rId8"/>
-    <p:sldId id="992" r:id="rId9"/>
-    <p:sldId id="1017" r:id="rId10"/>
-    <p:sldId id="1013" r:id="rId11"/>
+    <p:sldId id="1013" r:id="rId8"/>
+    <p:sldId id="1017" r:id="rId9"/>
+    <p:sldId id="1006" r:id="rId10"/>
+    <p:sldId id="992" r:id="rId11"/>
     <p:sldId id="1014" r:id="rId12"/>
     <p:sldId id="1015" r:id="rId13"/>
-    <p:sldId id="1016" r:id="rId14"/>
-    <p:sldId id="970" r:id="rId15"/>
-    <p:sldId id="953" r:id="rId16"/>
+    <p:sldId id="970" r:id="rId14"/>
+    <p:sldId id="953" r:id="rId15"/>
   </p:sldIdLst>
   <p:sldSz cx="9144000" cy="5143500" type="screen16x9"/>
   <p:notesSz cx="6858000" cy="9144000"/>
@@ -689,7 +688,7 @@
           <a:bodyPr/>
           <a:lstStyle/>
           <a:p>
-            <a:endParaRPr lang="zh-CN" altLang="en-US"/>
+            <a:endParaRPr lang="zh-CN" altLang="en-US" dirty="0"/>
           </a:p>
         </p:txBody>
       </p:sp>
@@ -708,10 +707,18 @@
           <a:bodyPr/>
           <a:lstStyle/>
           <a:p>
-            <a:fld id="{66F12646-107E-4EAD-9573-39087FBC2611}" type="slidenum">
-              <a:rPr lang="zh-CN" altLang="en-US" smtClean="0"/>
+            <a:fld id="{AB2A0F9D-3357-4A94-85C8-3B842B870DC6}" type="slidenum">
+              <a:rPr lang="zh-CN" altLang="en-US" smtClean="0">
+                <a:solidFill>
+                  <a:prstClr val="black"/>
+                </a:solidFill>
+              </a:rPr>
             </a:fld>
-            <a:endParaRPr lang="zh-CN" altLang="en-US"/>
+            <a:endParaRPr lang="zh-CN" altLang="en-US">
+              <a:solidFill>
+                <a:prstClr val="black"/>
+              </a:solidFill>
+            </a:endParaRPr>
           </a:p>
         </p:txBody>
       </p:sp>
@@ -724,92 +731,6 @@
 </file>
 
 <file path=ppt/notesSlides/notesSlide12.xml><?xml version="1.0" encoding="utf-8"?>
-<p:notes xmlns:a="http://schemas.openxmlformats.org/drawingml/2006/main" xmlns:r="http://schemas.openxmlformats.org/officeDocument/2006/relationships" xmlns:p="http://schemas.openxmlformats.org/presentationml/2006/main">
-  <p:cSld>
-    <p:spTree>
-      <p:nvGrpSpPr>
-        <p:cNvPr id="1" name=""/>
-        <p:cNvGrpSpPr/>
-        <p:nvPr/>
-      </p:nvGrpSpPr>
-      <p:grpSpPr>
-        <a:xfrm>
-          <a:off x="0" y="0"/>
-          <a:ext cx="0" cy="0"/>
-          <a:chOff x="0" y="0"/>
-          <a:chExt cx="0" cy="0"/>
-        </a:xfrm>
-      </p:grpSpPr>
-      <p:sp>
-        <p:nvSpPr>
-          <p:cNvPr id="2" name="幻灯片图像占位符 1"/>
-          <p:cNvSpPr>
-            <a:spLocks noGrp="1" noRot="1" noChangeAspect="1"/>
-          </p:cNvSpPr>
-          <p:nvPr>
-            <p:ph type="sldImg"/>
-          </p:nvPr>
-        </p:nvSpPr>
-        <p:spPr/>
-      </p:sp>
-      <p:sp>
-        <p:nvSpPr>
-          <p:cNvPr id="3" name="备注占位符 2"/>
-          <p:cNvSpPr>
-            <a:spLocks noGrp="1"/>
-          </p:cNvSpPr>
-          <p:nvPr>
-            <p:ph type="body" idx="1"/>
-          </p:nvPr>
-        </p:nvSpPr>
-        <p:spPr/>
-        <p:txBody>
-          <a:bodyPr/>
-          <a:lstStyle/>
-          <a:p>
-            <a:endParaRPr lang="zh-CN" altLang="en-US" dirty="0"/>
-          </a:p>
-        </p:txBody>
-      </p:sp>
-      <p:sp>
-        <p:nvSpPr>
-          <p:cNvPr id="4" name="灯片编号占位符 3"/>
-          <p:cNvSpPr>
-            <a:spLocks noGrp="1"/>
-          </p:cNvSpPr>
-          <p:nvPr>
-            <p:ph type="sldNum" sz="quarter" idx="10"/>
-          </p:nvPr>
-        </p:nvSpPr>
-        <p:spPr/>
-        <p:txBody>
-          <a:bodyPr/>
-          <a:lstStyle/>
-          <a:p>
-            <a:fld id="{AB2A0F9D-3357-4A94-85C8-3B842B870DC6}" type="slidenum">
-              <a:rPr lang="zh-CN" altLang="en-US" smtClean="0">
-                <a:solidFill>
-                  <a:prstClr val="black"/>
-                </a:solidFill>
-              </a:rPr>
-            </a:fld>
-            <a:endParaRPr lang="zh-CN" altLang="en-US">
-              <a:solidFill>
-                <a:prstClr val="black"/>
-              </a:solidFill>
-            </a:endParaRPr>
-          </a:p>
-        </p:txBody>
-      </p:sp>
-    </p:spTree>
-  </p:cSld>
-  <p:clrMapOvr>
-    <a:masterClrMapping/>
-  </p:clrMapOvr>
-</p:notes>
-</file>
-
-<file path=ppt/notesSlides/notesSlide13.xml><?xml version="1.0" encoding="utf-8"?>
 <p:notes xmlns:a="http://schemas.openxmlformats.org/drawingml/2006/main" xmlns:r="http://schemas.openxmlformats.org/officeDocument/2006/relationships" xmlns:p="http://schemas.openxmlformats.org/presentationml/2006/main">
   <p:cSld>
     <p:spTree>
@@ -7739,26 +7660,16 @@
           <a:p>
             <a:pPr algn="ctr"/>
             <a:r>
-              <a:rPr lang="en-US" altLang="zh-CN" sz="2800" b="1" dirty="0">
+              <a:rPr lang="zh-CN" sz="2800" b="1" dirty="0">
                 <a:solidFill>
                   <a:srgbClr val="FFC000"/>
                 </a:solidFill>
                 <a:latin typeface="仿宋" panose="02010609060101010101" pitchFamily="49" charset="-122"/>
                 <a:ea typeface="仿宋" panose="02010609060101010101" pitchFamily="49" charset="-122"/>
               </a:rPr>
-              <a:t>select</a:t>
-            </a:r>
-            <a:r>
-              <a:rPr lang="zh-CN" altLang="en-US" sz="2800" b="1" dirty="0">
-                <a:solidFill>
-                  <a:srgbClr val="FFC000"/>
-                </a:solidFill>
-                <a:latin typeface="仿宋" panose="02010609060101010101" pitchFamily="49" charset="-122"/>
-                <a:ea typeface="仿宋" panose="02010609060101010101" pitchFamily="49" charset="-122"/>
-              </a:rPr>
-              <a:t>标签介绍</a:t>
-            </a:r>
-            <a:endParaRPr lang="zh-CN" altLang="en-US" sz="2800" b="1" dirty="0">
+              <a:t>边框</a:t>
+            </a:r>
+            <a:endParaRPr lang="zh-CN" sz="2800" b="1" dirty="0">
               <a:solidFill>
                 <a:srgbClr val="FFC000"/>
               </a:solidFill>
@@ -7776,8 +7687,8 @@
         </p:nvSpPr>
         <p:spPr>
           <a:xfrm>
-            <a:off x="1545590" y="1526540"/>
-            <a:ext cx="6863715" cy="3169285"/>
+            <a:off x="1557020" y="1532255"/>
+            <a:ext cx="6863715" cy="2861310"/>
           </a:xfrm>
           <a:prstGeom prst="rect">
             <a:avLst/>
@@ -7799,8 +7710,9 @@
                 <a:latin typeface="微软雅黑" panose="020B0503020204020204" pitchFamily="34" charset="-122"/>
                 <a:ea typeface="微软雅黑" panose="020B0503020204020204" pitchFamily="34" charset="-122"/>
                 <a:cs typeface="华文楷体" panose="02010600040101010101" charset="-122"/>
+                <a:sym typeface="+mn-ea"/>
               </a:rPr>
-              <a:t>&lt;input type=”text” name=”name”/&gt;</a:t>
+              <a:t>border-left	在一个声明中设置所有的左边框属性。	1</a:t>
             </a:r>
             <a:endParaRPr lang="en-US" sz="2000" b="1" dirty="0">
               <a:solidFill>
@@ -7813,6 +7725,18 @@
           </a:p>
           <a:p>
             <a:pPr algn="l"/>
+            <a:r>
+              <a:rPr lang="en-US" sz="2000" b="1" dirty="0">
+                <a:solidFill>
+                  <a:srgbClr val="FFC000"/>
+                </a:solidFill>
+                <a:latin typeface="微软雅黑" panose="020B0503020204020204" pitchFamily="34" charset="-122"/>
+                <a:ea typeface="微软雅黑" panose="020B0503020204020204" pitchFamily="34" charset="-122"/>
+                <a:cs typeface="华文楷体" panose="02010600040101010101" charset="-122"/>
+                <a:sym typeface="+mn-ea"/>
+              </a:rPr>
+              <a:t>	border-left-color	设置左边框的颜色。	2</a:t>
+            </a:r>
             <a:endParaRPr lang="en-US" sz="2000" b="1" dirty="0">
               <a:solidFill>
                 <a:srgbClr val="FFC000"/>
@@ -7834,20 +7758,8 @@
                 <a:cs typeface="华文楷体" panose="02010600040101010101" charset="-122"/>
                 <a:sym typeface="+mn-ea"/>
               </a:rPr>
-              <a:t>&lt;input type=”text” name=”name”/&gt;</a:t>
-            </a:r>
-            <a:endParaRPr lang="en-US" sz="2000" b="1" dirty="0">
-              <a:solidFill>
-                <a:srgbClr val="FFC000"/>
-              </a:solidFill>
-              <a:latin typeface="微软雅黑" panose="020B0503020204020204" pitchFamily="34" charset="-122"/>
-              <a:ea typeface="微软雅黑" panose="020B0503020204020204" pitchFamily="34" charset="-122"/>
-              <a:cs typeface="华文楷体" panose="02010600040101010101" charset="-122"/>
-              <a:sym typeface="+mn-ea"/>
-            </a:endParaRPr>
-          </a:p>
-          <a:p>
-            <a:pPr algn="l"/>
+              <a:t>	border-left-style	设置左边框的样式。	2</a:t>
+            </a:r>
             <a:endParaRPr lang="en-US" sz="2000" b="1" dirty="0">
               <a:solidFill>
                 <a:srgbClr val="FFC000"/>
@@ -7869,20 +7781,8 @@
                 <a:cs typeface="华文楷体" panose="02010600040101010101" charset="-122"/>
                 <a:sym typeface="+mn-ea"/>
               </a:rPr>
-              <a:t>&lt;input type=”text” name=”name”/&gt;</a:t>
-            </a:r>
-            <a:endParaRPr lang="en-US" sz="2000" b="1" dirty="0">
-              <a:solidFill>
-                <a:srgbClr val="FFC000"/>
-              </a:solidFill>
-              <a:latin typeface="微软雅黑" panose="020B0503020204020204" pitchFamily="34" charset="-122"/>
-              <a:ea typeface="微软雅黑" panose="020B0503020204020204" pitchFamily="34" charset="-122"/>
-              <a:cs typeface="华文楷体" panose="02010600040101010101" charset="-122"/>
-              <a:sym typeface="+mn-ea"/>
-            </a:endParaRPr>
-          </a:p>
-          <a:p>
-            <a:pPr algn="l"/>
+              <a:t>	border-left-width	设置左边框的宽度。	1</a:t>
+            </a:r>
             <a:endParaRPr lang="en-US" sz="2000" b="1" dirty="0">
               <a:solidFill>
                 <a:srgbClr val="FFC000"/>
@@ -7904,20 +7804,8 @@
                 <a:cs typeface="华文楷体" panose="02010600040101010101" charset="-122"/>
                 <a:sym typeface="+mn-ea"/>
               </a:rPr>
-              <a:t>&lt;input type=”text” name=”name”/&gt;</a:t>
-            </a:r>
-            <a:endParaRPr lang="en-US" sz="2000" b="1" dirty="0">
-              <a:solidFill>
-                <a:srgbClr val="FFC000"/>
-              </a:solidFill>
-              <a:latin typeface="微软雅黑" panose="020B0503020204020204" pitchFamily="34" charset="-122"/>
-              <a:ea typeface="微软雅黑" panose="020B0503020204020204" pitchFamily="34" charset="-122"/>
-              <a:cs typeface="华文楷体" panose="02010600040101010101" charset="-122"/>
-              <a:sym typeface="+mn-ea"/>
-            </a:endParaRPr>
-          </a:p>
-          <a:p>
-            <a:pPr algn="l"/>
+              <a:t>	border-right	在一个声明中设置所有的右边框属性。	1</a:t>
+            </a:r>
             <a:endParaRPr lang="en-US" sz="2000" b="1" dirty="0">
               <a:solidFill>
                 <a:srgbClr val="FFC000"/>
@@ -7939,7 +7827,7 @@
                 <a:cs typeface="华文楷体" panose="02010600040101010101" charset="-122"/>
                 <a:sym typeface="+mn-ea"/>
               </a:rPr>
-              <a:t>&lt;input type=”text” name=”name”/&gt;</a:t>
+              <a:t>	border-right-color	设置右边框的颜色。	2</a:t>
             </a:r>
             <a:endParaRPr lang="en-US" sz="2000" b="1" dirty="0">
               <a:solidFill>
@@ -7952,6 +7840,41 @@
           </a:p>
           <a:p>
             <a:pPr algn="l"/>
+            <a:r>
+              <a:rPr lang="en-US" sz="2000" b="1" dirty="0">
+                <a:solidFill>
+                  <a:srgbClr val="FFC000"/>
+                </a:solidFill>
+                <a:latin typeface="微软雅黑" panose="020B0503020204020204" pitchFamily="34" charset="-122"/>
+                <a:ea typeface="微软雅黑" panose="020B0503020204020204" pitchFamily="34" charset="-122"/>
+                <a:cs typeface="华文楷体" panose="02010600040101010101" charset="-122"/>
+                <a:sym typeface="+mn-ea"/>
+              </a:rPr>
+              <a:t>	border-right-style	设置右边框的样式。	2</a:t>
+            </a:r>
+            <a:endParaRPr lang="en-US" sz="2000" b="1" dirty="0">
+              <a:solidFill>
+                <a:srgbClr val="FFC000"/>
+              </a:solidFill>
+              <a:latin typeface="微软雅黑" panose="020B0503020204020204" pitchFamily="34" charset="-122"/>
+              <a:ea typeface="微软雅黑" panose="020B0503020204020204" pitchFamily="34" charset="-122"/>
+              <a:cs typeface="华文楷体" panose="02010600040101010101" charset="-122"/>
+            </a:endParaRPr>
+          </a:p>
+          <a:p>
+            <a:pPr algn="l"/>
+            <a:r>
+              <a:rPr lang="en-US" sz="2000" b="1" dirty="0">
+                <a:solidFill>
+                  <a:srgbClr val="FFC000"/>
+                </a:solidFill>
+                <a:latin typeface="微软雅黑" panose="020B0503020204020204" pitchFamily="34" charset="-122"/>
+                <a:ea typeface="微软雅黑" panose="020B0503020204020204" pitchFamily="34" charset="-122"/>
+                <a:cs typeface="华文楷体" panose="02010600040101010101" charset="-122"/>
+                <a:sym typeface="+mn-ea"/>
+              </a:rPr>
+              <a:t>	border-right-width	设置右边框的宽度。</a:t>
+            </a:r>
             <a:endParaRPr lang="en-US" sz="2000" b="1" dirty="0">
               <a:solidFill>
                 <a:srgbClr val="FFC000"/>
@@ -8110,483 +8033,6 @@
 </file>
 
 <file path=ppt/slides/slide11.xml><?xml version="1.0" encoding="utf-8"?>
-<p:sld xmlns:a="http://schemas.openxmlformats.org/drawingml/2006/main" xmlns:r="http://schemas.openxmlformats.org/officeDocument/2006/relationships" xmlns:p="http://schemas.openxmlformats.org/presentationml/2006/main">
-  <p:cSld>
-    <p:spTree>
-      <p:nvGrpSpPr>
-        <p:cNvPr id="1" name=""/>
-        <p:cNvGrpSpPr/>
-        <p:nvPr/>
-      </p:nvGrpSpPr>
-      <p:grpSpPr>
-        <a:xfrm>
-          <a:off x="0" y="0"/>
-          <a:ext cx="0" cy="0"/>
-          <a:chOff x="0" y="0"/>
-          <a:chExt cx="0" cy="0"/>
-        </a:xfrm>
-      </p:grpSpPr>
-      <p:sp>
-        <p:nvSpPr>
-          <p:cNvPr id="101" name="Rectangle 49"/>
-          <p:cNvSpPr>
-            <a:spLocks noChangeArrowheads="1"/>
-          </p:cNvSpPr>
-          <p:nvPr/>
-        </p:nvSpPr>
-        <p:spPr bwMode="auto">
-          <a:xfrm>
-            <a:off x="2132965" y="1329055"/>
-            <a:ext cx="4964430" cy="276860"/>
-          </a:xfrm>
-          <a:prstGeom prst="rect">
-            <a:avLst/>
-          </a:prstGeom>
-          <a:noFill/>
-          <a:ln>
-            <a:noFill/>
-          </a:ln>
-          <a:extLst>
-            <a:ext uri="{909E8E84-426E-40DD-AFC4-6F175D3DCCD1}">
-              <a14:hiddenFill xmlns:a14="http://schemas.microsoft.com/office/drawing/2010/main">
-                <a:solidFill>
-                  <a:srgbClr val="FFFFFF"/>
-                </a:solidFill>
-              </a14:hiddenFill>
-            </a:ext>
-            <a:ext uri="{91240B29-F687-4F45-9708-019B960494DF}">
-              <a14:hiddenLine xmlns:a14="http://schemas.microsoft.com/office/drawing/2010/main" w="9525">
-                <a:solidFill>
-                  <a:srgbClr val="000000"/>
-                </a:solidFill>
-                <a:miter lim="800000"/>
-                <a:headEnd/>
-                <a:tailEnd/>
-              </a14:hiddenLine>
-            </a:ext>
-          </a:extLst>
-        </p:spPr>
-        <p:txBody>
-          <a:bodyPr wrap="square" lIns="0" tIns="0" rIns="0" bIns="0">
-            <a:spAutoFit/>
-          </a:bodyPr>
-          <a:lstStyle/>
-          <a:p>
-            <a:pPr algn="ctr">
-              <a:buFont typeface="Arial" panose="020B0604020202020204" pitchFamily="34" charset="0"/>
-              <a:buNone/>
-            </a:pPr>
-            <a:r>
-              <a:rPr lang="en-US" b="1" dirty="0">
-                <a:solidFill>
-                  <a:srgbClr val="92D050"/>
-                </a:solidFill>
-              </a:rPr>
-              <a:t> </a:t>
-            </a:r>
-            <a:endParaRPr lang="en-US" b="1" dirty="0">
-              <a:solidFill>
-                <a:srgbClr val="92D050"/>
-              </a:solidFill>
-            </a:endParaRPr>
-          </a:p>
-        </p:txBody>
-      </p:sp>
-      <p:sp>
-        <p:nvSpPr>
-          <p:cNvPr id="3" name="文本框 2"/>
-          <p:cNvSpPr txBox="1"/>
-          <p:nvPr/>
-        </p:nvSpPr>
-        <p:spPr>
-          <a:xfrm>
-            <a:off x="2331720" y="895985"/>
-            <a:ext cx="4480560" cy="521970"/>
-          </a:xfrm>
-          <a:prstGeom prst="rect">
-            <a:avLst/>
-          </a:prstGeom>
-          <a:noFill/>
-        </p:spPr>
-        <p:txBody>
-          <a:bodyPr wrap="square" rtlCol="0">
-            <a:spAutoFit/>
-          </a:bodyPr>
-          <a:lstStyle/>
-          <a:p>
-            <a:pPr algn="ctr"/>
-            <a:r>
-              <a:rPr lang="en-US" altLang="zh-CN" sz="2800" b="1" dirty="0">
-                <a:solidFill>
-                  <a:srgbClr val="FFC000"/>
-                </a:solidFill>
-                <a:latin typeface="仿宋" panose="02010609060101010101" pitchFamily="49" charset="-122"/>
-                <a:ea typeface="仿宋" panose="02010609060101010101" pitchFamily="49" charset="-122"/>
-              </a:rPr>
-              <a:t>textarea</a:t>
-            </a:r>
-            <a:r>
-              <a:rPr lang="zh-CN" altLang="en-US" sz="2800" b="1" dirty="0">
-                <a:solidFill>
-                  <a:srgbClr val="FFC000"/>
-                </a:solidFill>
-                <a:latin typeface="仿宋" panose="02010609060101010101" pitchFamily="49" charset="-122"/>
-                <a:ea typeface="仿宋" panose="02010609060101010101" pitchFamily="49" charset="-122"/>
-              </a:rPr>
-              <a:t>标签介绍</a:t>
-            </a:r>
-            <a:endParaRPr lang="zh-CN" altLang="en-US" sz="2800" b="1" dirty="0">
-              <a:solidFill>
-                <a:srgbClr val="FFC000"/>
-              </a:solidFill>
-              <a:latin typeface="仿宋" panose="02010609060101010101" pitchFamily="49" charset="-122"/>
-              <a:ea typeface="仿宋" panose="02010609060101010101" pitchFamily="49" charset="-122"/>
-            </a:endParaRPr>
-          </a:p>
-        </p:txBody>
-      </p:sp>
-      <p:sp>
-        <p:nvSpPr>
-          <p:cNvPr id="8" name="文本框 7"/>
-          <p:cNvSpPr txBox="1"/>
-          <p:nvPr/>
-        </p:nvSpPr>
-        <p:spPr>
-          <a:xfrm>
-            <a:off x="1545590" y="1526540"/>
-            <a:ext cx="6863715" cy="3169285"/>
-          </a:xfrm>
-          <a:prstGeom prst="rect">
-            <a:avLst/>
-          </a:prstGeom>
-          <a:noFill/>
-        </p:spPr>
-        <p:txBody>
-          <a:bodyPr wrap="square" rtlCol="0">
-            <a:spAutoFit/>
-          </a:bodyPr>
-          <a:lstStyle/>
-          <a:p>
-            <a:pPr algn="l"/>
-            <a:r>
-              <a:rPr lang="en-US" sz="2000" b="1" dirty="0">
-                <a:solidFill>
-                  <a:srgbClr val="FFC000"/>
-                </a:solidFill>
-                <a:latin typeface="微软雅黑" panose="020B0503020204020204" pitchFamily="34" charset="-122"/>
-                <a:ea typeface="微软雅黑" panose="020B0503020204020204" pitchFamily="34" charset="-122"/>
-                <a:cs typeface="华文楷体" panose="02010600040101010101" charset="-122"/>
-              </a:rPr>
-              <a:t>&lt;input type=”text” name=”name”/&gt;</a:t>
-            </a:r>
-            <a:endParaRPr lang="en-US" sz="2000" b="1" dirty="0">
-              <a:solidFill>
-                <a:srgbClr val="FFC000"/>
-              </a:solidFill>
-              <a:latin typeface="微软雅黑" panose="020B0503020204020204" pitchFamily="34" charset="-122"/>
-              <a:ea typeface="微软雅黑" panose="020B0503020204020204" pitchFamily="34" charset="-122"/>
-              <a:cs typeface="华文楷体" panose="02010600040101010101" charset="-122"/>
-            </a:endParaRPr>
-          </a:p>
-          <a:p>
-            <a:pPr algn="l"/>
-            <a:endParaRPr lang="en-US" sz="2000" b="1" dirty="0">
-              <a:solidFill>
-                <a:srgbClr val="FFC000"/>
-              </a:solidFill>
-              <a:latin typeface="微软雅黑" panose="020B0503020204020204" pitchFamily="34" charset="-122"/>
-              <a:ea typeface="微软雅黑" panose="020B0503020204020204" pitchFamily="34" charset="-122"/>
-              <a:cs typeface="华文楷体" panose="02010600040101010101" charset="-122"/>
-            </a:endParaRPr>
-          </a:p>
-          <a:p>
-            <a:pPr algn="l"/>
-            <a:r>
-              <a:rPr lang="en-US" sz="2000" b="1" dirty="0">
-                <a:solidFill>
-                  <a:srgbClr val="FFC000"/>
-                </a:solidFill>
-                <a:latin typeface="微软雅黑" panose="020B0503020204020204" pitchFamily="34" charset="-122"/>
-                <a:ea typeface="微软雅黑" panose="020B0503020204020204" pitchFamily="34" charset="-122"/>
-                <a:cs typeface="华文楷体" panose="02010600040101010101" charset="-122"/>
-                <a:sym typeface="+mn-ea"/>
-              </a:rPr>
-              <a:t>&lt;input type=”text” name=”name”/&gt;</a:t>
-            </a:r>
-            <a:endParaRPr lang="en-US" sz="2000" b="1" dirty="0">
-              <a:solidFill>
-                <a:srgbClr val="FFC000"/>
-              </a:solidFill>
-              <a:latin typeface="微软雅黑" panose="020B0503020204020204" pitchFamily="34" charset="-122"/>
-              <a:ea typeface="微软雅黑" panose="020B0503020204020204" pitchFamily="34" charset="-122"/>
-              <a:cs typeface="华文楷体" panose="02010600040101010101" charset="-122"/>
-              <a:sym typeface="+mn-ea"/>
-            </a:endParaRPr>
-          </a:p>
-          <a:p>
-            <a:pPr algn="l"/>
-            <a:endParaRPr lang="en-US" sz="2000" b="1" dirty="0">
-              <a:solidFill>
-                <a:srgbClr val="FFC000"/>
-              </a:solidFill>
-              <a:latin typeface="微软雅黑" panose="020B0503020204020204" pitchFamily="34" charset="-122"/>
-              <a:ea typeface="微软雅黑" panose="020B0503020204020204" pitchFamily="34" charset="-122"/>
-              <a:cs typeface="华文楷体" panose="02010600040101010101" charset="-122"/>
-            </a:endParaRPr>
-          </a:p>
-          <a:p>
-            <a:pPr algn="l"/>
-            <a:r>
-              <a:rPr lang="en-US" sz="2000" b="1" dirty="0">
-                <a:solidFill>
-                  <a:srgbClr val="FFC000"/>
-                </a:solidFill>
-                <a:latin typeface="微软雅黑" panose="020B0503020204020204" pitchFamily="34" charset="-122"/>
-                <a:ea typeface="微软雅黑" panose="020B0503020204020204" pitchFamily="34" charset="-122"/>
-                <a:cs typeface="华文楷体" panose="02010600040101010101" charset="-122"/>
-                <a:sym typeface="+mn-ea"/>
-              </a:rPr>
-              <a:t>&lt;input type=”text” name=”name”/&gt;</a:t>
-            </a:r>
-            <a:endParaRPr lang="en-US" sz="2000" b="1" dirty="0">
-              <a:solidFill>
-                <a:srgbClr val="FFC000"/>
-              </a:solidFill>
-              <a:latin typeface="微软雅黑" panose="020B0503020204020204" pitchFamily="34" charset="-122"/>
-              <a:ea typeface="微软雅黑" panose="020B0503020204020204" pitchFamily="34" charset="-122"/>
-              <a:cs typeface="华文楷体" panose="02010600040101010101" charset="-122"/>
-              <a:sym typeface="+mn-ea"/>
-            </a:endParaRPr>
-          </a:p>
-          <a:p>
-            <a:pPr algn="l"/>
-            <a:endParaRPr lang="en-US" sz="2000" b="1" dirty="0">
-              <a:solidFill>
-                <a:srgbClr val="FFC000"/>
-              </a:solidFill>
-              <a:latin typeface="微软雅黑" panose="020B0503020204020204" pitchFamily="34" charset="-122"/>
-              <a:ea typeface="微软雅黑" panose="020B0503020204020204" pitchFamily="34" charset="-122"/>
-              <a:cs typeface="华文楷体" panose="02010600040101010101" charset="-122"/>
-            </a:endParaRPr>
-          </a:p>
-          <a:p>
-            <a:pPr algn="l"/>
-            <a:r>
-              <a:rPr lang="en-US" sz="2000" b="1" dirty="0">
-                <a:solidFill>
-                  <a:srgbClr val="FFC000"/>
-                </a:solidFill>
-                <a:latin typeface="微软雅黑" panose="020B0503020204020204" pitchFamily="34" charset="-122"/>
-                <a:ea typeface="微软雅黑" panose="020B0503020204020204" pitchFamily="34" charset="-122"/>
-                <a:cs typeface="华文楷体" panose="02010600040101010101" charset="-122"/>
-                <a:sym typeface="+mn-ea"/>
-              </a:rPr>
-              <a:t>&lt;input type=”text” name=”name”/&gt;</a:t>
-            </a:r>
-            <a:endParaRPr lang="en-US" sz="2000" b="1" dirty="0">
-              <a:solidFill>
-                <a:srgbClr val="FFC000"/>
-              </a:solidFill>
-              <a:latin typeface="微软雅黑" panose="020B0503020204020204" pitchFamily="34" charset="-122"/>
-              <a:ea typeface="微软雅黑" panose="020B0503020204020204" pitchFamily="34" charset="-122"/>
-              <a:cs typeface="华文楷体" panose="02010600040101010101" charset="-122"/>
-              <a:sym typeface="+mn-ea"/>
-            </a:endParaRPr>
-          </a:p>
-          <a:p>
-            <a:pPr algn="l"/>
-            <a:endParaRPr lang="en-US" sz="2000" b="1" dirty="0">
-              <a:solidFill>
-                <a:srgbClr val="FFC000"/>
-              </a:solidFill>
-              <a:latin typeface="微软雅黑" panose="020B0503020204020204" pitchFamily="34" charset="-122"/>
-              <a:ea typeface="微软雅黑" panose="020B0503020204020204" pitchFamily="34" charset="-122"/>
-              <a:cs typeface="华文楷体" panose="02010600040101010101" charset="-122"/>
-            </a:endParaRPr>
-          </a:p>
-          <a:p>
-            <a:pPr algn="l"/>
-            <a:r>
-              <a:rPr lang="en-US" sz="2000" b="1" dirty="0">
-                <a:solidFill>
-                  <a:srgbClr val="FFC000"/>
-                </a:solidFill>
-                <a:latin typeface="微软雅黑" panose="020B0503020204020204" pitchFamily="34" charset="-122"/>
-                <a:ea typeface="微软雅黑" panose="020B0503020204020204" pitchFamily="34" charset="-122"/>
-                <a:cs typeface="华文楷体" panose="02010600040101010101" charset="-122"/>
-                <a:sym typeface="+mn-ea"/>
-              </a:rPr>
-              <a:t>&lt;input type=”text” name=”name”/&gt;</a:t>
-            </a:r>
-            <a:endParaRPr lang="en-US" sz="2000" b="1" dirty="0">
-              <a:solidFill>
-                <a:srgbClr val="FFC000"/>
-              </a:solidFill>
-              <a:latin typeface="微软雅黑" panose="020B0503020204020204" pitchFamily="34" charset="-122"/>
-              <a:ea typeface="微软雅黑" panose="020B0503020204020204" pitchFamily="34" charset="-122"/>
-              <a:cs typeface="华文楷体" panose="02010600040101010101" charset="-122"/>
-            </a:endParaRPr>
-          </a:p>
-          <a:p>
-            <a:pPr algn="l"/>
-            <a:endParaRPr lang="en-US" sz="2000" b="1" dirty="0">
-              <a:solidFill>
-                <a:srgbClr val="FFC000"/>
-              </a:solidFill>
-              <a:latin typeface="微软雅黑" panose="020B0503020204020204" pitchFamily="34" charset="-122"/>
-              <a:ea typeface="微软雅黑" panose="020B0503020204020204" pitchFamily="34" charset="-122"/>
-              <a:cs typeface="华文楷体" panose="02010600040101010101" charset="-122"/>
-            </a:endParaRPr>
-          </a:p>
-        </p:txBody>
-      </p:sp>
-    </p:spTree>
-  </p:cSld>
-  <p:clrMapOvr>
-    <a:masterClrMapping/>
-  </p:clrMapOvr>
-  <p:transition spd="med" advClick="0" advTm="0">
-    <p:randomBar dir="vert"/>
-  </p:transition>
-  <p:timing>
-    <p:tnLst>
-      <p:par>
-        <p:cTn id="1" dur="indefinite" restart="never" nodeType="tmRoot">
-          <p:childTnLst>
-            <p:seq concurrent="1" nextAc="seek">
-              <p:cTn id="2" dur="indefinite" nodeType="mainSeq">
-                <p:childTnLst>
-                  <p:par>
-                    <p:cTn id="3" fill="hold">
-                      <p:stCondLst>
-                        <p:cond delay="indefinite"/>
-                        <p:cond evt="onBegin" delay="0">
-                          <p:tn val="2"/>
-                        </p:cond>
-                      </p:stCondLst>
-                      <p:childTnLst>
-                        <p:par>
-                          <p:cTn id="4" fill="hold">
-                            <p:stCondLst>
-                              <p:cond delay="0"/>
-                            </p:stCondLst>
-                            <p:childTnLst>
-                              <p:par>
-                                <p:cTn id="5" presetID="42" presetClass="entr" presetSubtype="0" fill="hold" grpId="0" nodeType="withEffect">
-                                  <p:stCondLst>
-                                    <p:cond delay="0"/>
-                                  </p:stCondLst>
-                                  <p:childTnLst>
-                                    <p:set>
-                                      <p:cBhvr>
-                                        <p:cTn id="6" dur="1" fill="hold">
-                                          <p:stCondLst>
-                                            <p:cond delay="0"/>
-                                          </p:stCondLst>
-                                        </p:cTn>
-                                        <p:tgtEl>
-                                          <p:spTgt spid="101"/>
-                                        </p:tgtEl>
-                                        <p:attrNameLst>
-                                          <p:attrName>style.visibility</p:attrName>
-                                        </p:attrNameLst>
-                                      </p:cBhvr>
-                                      <p:to>
-                                        <p:strVal val="visible"/>
-                                      </p:to>
-                                    </p:set>
-                                    <p:animEffect transition="in" filter="fade">
-                                      <p:cBhvr>
-                                        <p:cTn id="7" dur="500"/>
-                                        <p:tgtEl>
-                                          <p:spTgt spid="101"/>
-                                        </p:tgtEl>
-                                      </p:cBhvr>
-                                    </p:animEffect>
-                                    <p:anim calcmode="lin" valueType="num">
-                                      <p:cBhvr>
-                                        <p:cTn id="8" dur="500" fill="hold"/>
-                                        <p:tgtEl>
-                                          <p:spTgt spid="101"/>
-                                        </p:tgtEl>
-                                        <p:attrNameLst>
-                                          <p:attrName>ppt_x</p:attrName>
-                                        </p:attrNameLst>
-                                      </p:cBhvr>
-                                      <p:tavLst>
-                                        <p:tav tm="0">
-                                          <p:val>
-                                            <p:strVal val="#ppt_x"/>
-                                          </p:val>
-                                        </p:tav>
-                                        <p:tav tm="100000">
-                                          <p:val>
-                                            <p:strVal val="#ppt_x"/>
-                                          </p:val>
-                                        </p:tav>
-                                      </p:tavLst>
-                                    </p:anim>
-                                    <p:anim calcmode="lin" valueType="num">
-                                      <p:cBhvr>
-                                        <p:cTn id="9" dur="500" fill="hold"/>
-                                        <p:tgtEl>
-                                          <p:spTgt spid="101"/>
-                                        </p:tgtEl>
-                                        <p:attrNameLst>
-                                          <p:attrName>ppt_y</p:attrName>
-                                        </p:attrNameLst>
-                                      </p:cBhvr>
-                                      <p:tavLst>
-                                        <p:tav tm="0">
-                                          <p:val>
-                                            <p:strVal val="#ppt_y+.1"/>
-                                          </p:val>
-                                        </p:tav>
-                                        <p:tav tm="100000">
-                                          <p:val>
-                                            <p:strVal val="#ppt_y"/>
-                                          </p:val>
-                                        </p:tav>
-                                      </p:tavLst>
-                                    </p:anim>
-                                  </p:childTnLst>
-                                </p:cTn>
-                              </p:par>
-                            </p:childTnLst>
-                          </p:cTn>
-                        </p:par>
-                      </p:childTnLst>
-                    </p:cTn>
-                  </p:par>
-                </p:childTnLst>
-              </p:cTn>
-              <p:prevCondLst>
-                <p:cond evt="onPrev" delay="0">
-                  <p:tgtEl>
-                    <p:sldTgt/>
-                  </p:tgtEl>
-                </p:cond>
-              </p:prevCondLst>
-              <p:nextCondLst>
-                <p:cond evt="onNext" delay="0">
-                  <p:tgtEl>
-                    <p:sldTgt/>
-                  </p:tgtEl>
-                </p:cond>
-              </p:nextCondLst>
-            </p:seq>
-          </p:childTnLst>
-        </p:cTn>
-      </p:par>
-    </p:tnLst>
-    <p:bldLst>
-      <p:bldP spid="101" grpId="0"/>
-    </p:bldLst>
-  </p:timing>
-</p:sld>
-</file>
-
-<file path=ppt/slides/slide12.xml><?xml version="1.0" encoding="utf-8"?>
 <p:sld xmlns:a="http://schemas.openxmlformats.org/drawingml/2006/main" xmlns:r="http://schemas.openxmlformats.org/officeDocument/2006/relationships" xmlns:p="http://schemas.openxmlformats.org/presentationml/2006/main">
   <p:cSld>
     <p:spTree>
@@ -10243,7 +9689,7 @@
 </p:sld>
 </file>
 
-<file path=ppt/slides/slide13.xml><?xml version="1.0" encoding="utf-8"?>
+<file path=ppt/slides/slide12.xml><?xml version="1.0" encoding="utf-8"?>
 <p:sld xmlns:a="http://schemas.openxmlformats.org/drawingml/2006/main" xmlns:r="http://schemas.openxmlformats.org/officeDocument/2006/relationships" xmlns:p="http://schemas.openxmlformats.org/presentationml/2006/main">
   <p:cSld>
     <p:spTree>
@@ -11195,7 +10641,7 @@
                 <a:latin typeface="微软雅黑" panose="020B0503020204020204" pitchFamily="34" charset="-122"/>
                 <a:ea typeface="微软雅黑" panose="020B0503020204020204" pitchFamily="34" charset="-122"/>
               </a:rPr>
-              <a:t>属性介绍</a:t>
+              <a:t>选择器第二季</a:t>
             </a:r>
             <a:endParaRPr lang="zh-CN" altLang="en-US" sz="2800" b="1" dirty="0">
               <a:solidFill>
@@ -11216,7 +10662,7 @@
         <p:spPr>
           <a:xfrm>
             <a:off x="1547664" y="1258242"/>
-            <a:ext cx="6139815" cy="1138773"/>
+            <a:ext cx="6139815" cy="3230245"/>
           </a:xfrm>
           <a:prstGeom prst="rect">
             <a:avLst/>
@@ -11231,7 +10677,7 @@
           <a:p>
             <a:pPr algn="l"/>
             <a:r>
-              <a:rPr lang="zh-CN" altLang="en-US" sz="2800" b="1" dirty="0">
+              <a:rPr lang="zh-CN" altLang="en-US" sz="1200" b="1" dirty="0">
                 <a:solidFill>
                   <a:srgbClr val="FFC000"/>
                 </a:solidFill>
@@ -11239,9 +10685,9 @@
                 <a:ea typeface="华文楷体" panose="02010600040101010101" charset="-122"/>
                 <a:cs typeface="华文楷体" panose="02010600040101010101" charset="-122"/>
               </a:rPr>
-              <a:t>什么是属性？</a:t>
-            </a:r>
-            <a:endParaRPr lang="en-US" altLang="zh-CN" sz="2000" b="1" dirty="0">
+              <a:t>并列选择器(标签在前)div.demo</a:t>
+            </a:r>
+            <a:endParaRPr lang="zh-CN" altLang="en-US" sz="1200" b="1" dirty="0">
               <a:solidFill>
                 <a:srgbClr val="FFC000"/>
               </a:solidFill>
@@ -11253,7 +10699,7 @@
           <a:p>
             <a:pPr algn="l"/>
             <a:r>
-              <a:rPr lang="en-US" altLang="zh-CN" sz="2000" b="1" dirty="0">
+              <a:rPr lang="zh-CN" altLang="en-US" sz="1200" b="1" dirty="0">
                 <a:solidFill>
                   <a:srgbClr val="FFC000"/>
                 </a:solidFill>
@@ -11261,20 +10707,9 @@
                 <a:ea typeface="华文楷体" panose="02010600040101010101" charset="-122"/>
                 <a:cs typeface="华文楷体" panose="02010600040101010101" charset="-122"/>
               </a:rPr>
-              <a:t>	</a:t>
-            </a:r>
-            <a:r>
-              <a:rPr lang="zh-CN" altLang="en-US" sz="2000" b="1" dirty="0">
-                <a:solidFill>
-                  <a:srgbClr val="FFC000"/>
-                </a:solidFill>
-                <a:latin typeface="华文楷体" panose="02010600040101010101" charset="-122"/>
-                <a:ea typeface="华文楷体" panose="02010600040101010101" charset="-122"/>
-                <a:cs typeface="华文楷体" panose="02010600040101010101" charset="-122"/>
-              </a:rPr>
-              <a:t>描述事物的一些标记或者标志，如人的姓名，性别等</a:t>
-            </a:r>
-            <a:endParaRPr lang="en-US" altLang="zh-CN" sz="2000" b="1" dirty="0">
+              <a:t>		element,element	div,p	选择所有 &lt;div&gt; 元素和所有 &lt;p&gt; 元素。	1分组选择器</a:t>
+            </a:r>
+            <a:endParaRPr lang="zh-CN" altLang="en-US" sz="1200" b="1" dirty="0">
               <a:solidFill>
                 <a:srgbClr val="FFC000"/>
               </a:solidFill>
@@ -11283,33 +10718,10 @@
               <a:cs typeface="华文楷体" panose="02010600040101010101" charset="-122"/>
             </a:endParaRPr>
           </a:p>
-        </p:txBody>
-      </p:sp>
-      <p:sp>
-        <p:nvSpPr>
-          <p:cNvPr id="5" name="文本框 4"/>
-          <p:cNvSpPr txBox="1"/>
-          <p:nvPr/>
-        </p:nvSpPr>
-        <p:spPr>
-          <a:xfrm>
-            <a:off x="1551283" y="2538675"/>
-            <a:ext cx="6139815" cy="830997"/>
-          </a:xfrm>
-          <a:prstGeom prst="rect">
-            <a:avLst/>
-          </a:prstGeom>
-          <a:noFill/>
-        </p:spPr>
-        <p:txBody>
-          <a:bodyPr wrap="square" rtlCol="0">
-            <a:spAutoFit/>
-          </a:bodyPr>
-          <a:lstStyle/>
           <a:p>
             <a:pPr algn="l"/>
             <a:r>
-              <a:rPr lang="zh-CN" altLang="en-US" sz="2800" b="1" dirty="0">
+              <a:rPr lang="zh-CN" altLang="en-US" sz="1200" b="1" dirty="0">
                 <a:solidFill>
                   <a:srgbClr val="FFC000"/>
                 </a:solidFill>
@@ -11317,9 +10729,9 @@
                 <a:ea typeface="华文楷体" panose="02010600040101010101" charset="-122"/>
                 <a:cs typeface="华文楷体" panose="02010600040101010101" charset="-122"/>
               </a:rPr>
-              <a:t>属性的类别？</a:t>
-            </a:r>
-            <a:endParaRPr lang="en-US" altLang="zh-CN" sz="2000" b="1" dirty="0">
+              <a:t>		element element	div p	选择 &lt;div&gt; 元素内部的所有 &lt;p&gt; 元素。	1父子选择器</a:t>
+            </a:r>
+            <a:endParaRPr lang="zh-CN" altLang="en-US" sz="1200" b="1" dirty="0">
               <a:solidFill>
                 <a:srgbClr val="FFC000"/>
               </a:solidFill>
@@ -11331,7 +10743,7 @@
           <a:p>
             <a:pPr algn="l"/>
             <a:r>
-              <a:rPr lang="en-US" altLang="zh-CN" sz="2000" b="1" dirty="0">
+              <a:rPr lang="zh-CN" altLang="en-US" sz="1200" b="1" dirty="0">
                 <a:solidFill>
                   <a:srgbClr val="FFC000"/>
                 </a:solidFill>
@@ -11339,42 +10751,9 @@
                 <a:ea typeface="华文楷体" panose="02010600040101010101" charset="-122"/>
                 <a:cs typeface="华文楷体" panose="02010600040101010101" charset="-122"/>
               </a:rPr>
-              <a:t>	</a:t>
-            </a:r>
-            <a:r>
-              <a:rPr lang="zh-CN" altLang="en-US" sz="2000" b="1" dirty="0">
-                <a:solidFill>
-                  <a:srgbClr val="FFC000"/>
-                </a:solidFill>
-                <a:latin typeface="华文楷体" panose="02010600040101010101" charset="-122"/>
-                <a:ea typeface="华文楷体" panose="02010600040101010101" charset="-122"/>
-                <a:cs typeface="华文楷体" panose="02010600040101010101" charset="-122"/>
-              </a:rPr>
-              <a:t>原生属性</a:t>
-            </a:r>
-            <a:r>
-              <a:rPr lang="en-US" altLang="zh-CN" sz="2000" b="1" dirty="0">
-                <a:solidFill>
-                  <a:srgbClr val="FFC000"/>
-                </a:solidFill>
-                <a:latin typeface="华文楷体" panose="02010600040101010101" charset="-122"/>
-                <a:ea typeface="华文楷体" panose="02010600040101010101" charset="-122"/>
-                <a:cs typeface="华文楷体" panose="02010600040101010101" charset="-122"/>
-              </a:rPr>
-              <a:t>	</a:t>
-            </a:r>
-            <a:r>
-              <a:rPr lang="zh-CN" altLang="en-US" sz="2000" b="1" dirty="0">
-                <a:solidFill>
-                  <a:srgbClr val="FFC000"/>
-                </a:solidFill>
-                <a:latin typeface="华文楷体" panose="02010600040101010101" charset="-122"/>
-                <a:ea typeface="华文楷体" panose="02010600040101010101" charset="-122"/>
-                <a:cs typeface="华文楷体" panose="02010600040101010101" charset="-122"/>
-              </a:rPr>
-              <a:t>自定义属性</a:t>
-            </a:r>
-            <a:endParaRPr lang="en-US" altLang="zh-CN" sz="2000" b="1" dirty="0">
+              <a:t>		element&gt;element	div&gt;p	选择父元素为 &lt;div&gt; 元素的所有 &lt;p&gt; 元素。	2直接子元素选择器</a:t>
+            </a:r>
+            <a:endParaRPr lang="zh-CN" altLang="en-US" sz="1200" b="1" dirty="0">
               <a:solidFill>
                 <a:srgbClr val="FFC000"/>
               </a:solidFill>
@@ -11383,33 +10762,10 @@
               <a:cs typeface="华文楷体" panose="02010600040101010101" charset="-122"/>
             </a:endParaRPr>
           </a:p>
-        </p:txBody>
-      </p:sp>
-      <p:sp>
-        <p:nvSpPr>
-          <p:cNvPr id="6" name="文本框 5"/>
-          <p:cNvSpPr txBox="1"/>
-          <p:nvPr/>
-        </p:nvSpPr>
-        <p:spPr>
-          <a:xfrm>
-            <a:off x="1547664" y="3511332"/>
-            <a:ext cx="6139815" cy="830997"/>
-          </a:xfrm>
-          <a:prstGeom prst="rect">
-            <a:avLst/>
-          </a:prstGeom>
-          <a:noFill/>
-        </p:spPr>
-        <p:txBody>
-          <a:bodyPr wrap="square" rtlCol="0">
-            <a:spAutoFit/>
-          </a:bodyPr>
-          <a:lstStyle/>
           <a:p>
             <a:pPr algn="l"/>
             <a:r>
-              <a:rPr lang="zh-CN" altLang="en-US" sz="2800" b="1" dirty="0">
+              <a:rPr lang="zh-CN" altLang="en-US" sz="1200" b="1" dirty="0">
                 <a:solidFill>
                   <a:srgbClr val="FFC000"/>
                 </a:solidFill>
@@ -11417,9 +10773,9 @@
                 <a:ea typeface="华文楷体" panose="02010600040101010101" charset="-122"/>
                 <a:cs typeface="华文楷体" panose="02010600040101010101" charset="-122"/>
               </a:rPr>
-              <a:t>常用属性？</a:t>
-            </a:r>
-            <a:endParaRPr lang="en-US" altLang="zh-CN" sz="2000" b="1" dirty="0">
+              <a:t>		element+element	div+p	选择紧接在 &lt;div&gt; 元素之后的所有 &lt;p&gt; 元素。	2</a:t>
+            </a:r>
+            <a:endParaRPr lang="zh-CN" altLang="en-US" sz="1200" b="1" dirty="0">
               <a:solidFill>
                 <a:srgbClr val="FFC000"/>
               </a:solidFill>
@@ -11431,7 +10787,7 @@
           <a:p>
             <a:pPr algn="l"/>
             <a:r>
-              <a:rPr lang="en-US" altLang="zh-CN" sz="2000" b="1" dirty="0">
+              <a:rPr lang="zh-CN" altLang="en-US" sz="1200" b="1" dirty="0">
                 <a:solidFill>
                   <a:srgbClr val="FFC000"/>
                 </a:solidFill>
@@ -11439,10 +10795,21 @@
                 <a:ea typeface="华文楷体" panose="02010600040101010101" charset="-122"/>
                 <a:cs typeface="华文楷体" panose="02010600040101010101" charset="-122"/>
               </a:rPr>
-              <a:t>	id   class    name –value</a:t>
-            </a:r>
-            <a:r>
-              <a:rPr lang="zh-CN" altLang="en-US" sz="2000" b="1" dirty="0">
+              <a:t>		[attribute]	[target]	选择带有 target 属性所有元素。	2</a:t>
+            </a:r>
+            <a:endParaRPr lang="zh-CN" altLang="en-US" sz="1200" b="1" dirty="0">
+              <a:solidFill>
+                <a:srgbClr val="FFC000"/>
+              </a:solidFill>
+              <a:latin typeface="华文楷体" panose="02010600040101010101" charset="-122"/>
+              <a:ea typeface="华文楷体" panose="02010600040101010101" charset="-122"/>
+              <a:cs typeface="华文楷体" panose="02010600040101010101" charset="-122"/>
+            </a:endParaRPr>
+          </a:p>
+          <a:p>
+            <a:pPr algn="l"/>
+            <a:r>
+              <a:rPr lang="zh-CN" altLang="en-US" sz="1200" b="1" dirty="0">
                 <a:solidFill>
                   <a:srgbClr val="FFC000"/>
                 </a:solidFill>
@@ -11450,9 +10817,53 @@
                 <a:ea typeface="华文楷体" panose="02010600040101010101" charset="-122"/>
                 <a:cs typeface="华文楷体" panose="02010600040101010101" charset="-122"/>
               </a:rPr>
-              <a:t>（成对出现）</a:t>
-            </a:r>
-            <a:endParaRPr lang="en-US" altLang="zh-CN" sz="2000" b="1" dirty="0">
+              <a:t>		[attribute=value]	[target=_blank]	选择 target="_blank" 的所有元素。	2</a:t>
+            </a:r>
+            <a:endParaRPr lang="zh-CN" altLang="en-US" sz="1200" b="1" dirty="0">
+              <a:solidFill>
+                <a:srgbClr val="FFC000"/>
+              </a:solidFill>
+              <a:latin typeface="华文楷体" panose="02010600040101010101" charset="-122"/>
+              <a:ea typeface="华文楷体" panose="02010600040101010101" charset="-122"/>
+              <a:cs typeface="华文楷体" panose="02010600040101010101" charset="-122"/>
+            </a:endParaRPr>
+          </a:p>
+          <a:p>
+            <a:pPr algn="l"/>
+            <a:r>
+              <a:rPr lang="zh-CN" altLang="en-US" sz="1200" b="1" dirty="0">
+                <a:solidFill>
+                  <a:srgbClr val="FFC000"/>
+                </a:solidFill>
+                <a:latin typeface="华文楷体" panose="02010600040101010101" charset="-122"/>
+                <a:ea typeface="华文楷体" panose="02010600040101010101" charset="-122"/>
+                <a:cs typeface="华文楷体" panose="02010600040101010101" charset="-122"/>
+              </a:rPr>
+              <a:t>		[attribute~=value]	[title~=flower]	选择 title 属性包含单词 "flower" 的所有元素。	2</a:t>
+            </a:r>
+            <a:endParaRPr lang="zh-CN" altLang="en-US" sz="1200" b="1" dirty="0">
+              <a:solidFill>
+                <a:srgbClr val="FFC000"/>
+              </a:solidFill>
+              <a:latin typeface="华文楷体" panose="02010600040101010101" charset="-122"/>
+              <a:ea typeface="华文楷体" panose="02010600040101010101" charset="-122"/>
+              <a:cs typeface="华文楷体" panose="02010600040101010101" charset="-122"/>
+            </a:endParaRPr>
+          </a:p>
+          <a:p>
+            <a:pPr algn="l"/>
+            <a:r>
+              <a:rPr lang="zh-CN" altLang="en-US" sz="1200" b="1" dirty="0">
+                <a:solidFill>
+                  <a:srgbClr val="FFC000"/>
+                </a:solidFill>
+                <a:latin typeface="华文楷体" panose="02010600040101010101" charset="-122"/>
+                <a:ea typeface="华文楷体" panose="02010600040101010101" charset="-122"/>
+                <a:cs typeface="华文楷体" panose="02010600040101010101" charset="-122"/>
+              </a:rPr>
+              <a:t>		[attribute|=value]	[lang|=en]	选择 lang 属性值以 "en" 开头的所有元素。</a:t>
+            </a:r>
+            <a:endParaRPr lang="zh-CN" altLang="en-US" sz="1200" b="1" dirty="0">
               <a:solidFill>
                 <a:srgbClr val="FFC000"/>
               </a:solidFill>
@@ -11720,27 +11131,57 @@
                 <a:solidFill>
                   <a:srgbClr val="FFC000"/>
                 </a:solidFill>
-                <a:latin typeface="微软雅黑" panose="020B0503020204020204" pitchFamily="34" charset="-122"/>
-                <a:ea typeface="微软雅黑" panose="020B0503020204020204" pitchFamily="34" charset="-122"/>
+                <a:latin typeface="华文楷体" panose="02010600040101010101" charset="-122"/>
+                <a:ea typeface="华文楷体" panose="02010600040101010101" charset="-122"/>
+                <a:cs typeface="华文楷体" panose="02010600040101010101" charset="-122"/>
+                <a:sym typeface="+mn-ea"/>
               </a:rPr>
-              <a:t>Form</a:t>
+              <a:t>display-</a:t>
             </a:r>
             <a:r>
               <a:rPr lang="zh-CN" altLang="en-US" sz="2800" b="1" dirty="0">
                 <a:solidFill>
                   <a:srgbClr val="FFC000"/>
                 </a:solidFill>
-                <a:latin typeface="微软雅黑" panose="020B0503020204020204" pitchFamily="34" charset="-122"/>
-                <a:ea typeface="微软雅黑" panose="020B0503020204020204" pitchFamily="34" charset="-122"/>
+                <a:latin typeface="华文楷体" panose="02010600040101010101" charset="-122"/>
+                <a:ea typeface="华文楷体" panose="02010600040101010101" charset="-122"/>
+                <a:cs typeface="华文楷体" panose="02010600040101010101" charset="-122"/>
+                <a:sym typeface="+mn-ea"/>
               </a:rPr>
-              <a:t>表单提交</a:t>
+              <a:t>行级</a:t>
+            </a:r>
+            <a:r>
+              <a:rPr lang="en-US" altLang="zh-CN" sz="2800" b="1" dirty="0">
+                <a:solidFill>
+                  <a:srgbClr val="FFC000"/>
+                </a:solidFill>
+                <a:latin typeface="华文楷体" panose="02010600040101010101" charset="-122"/>
+                <a:ea typeface="华文楷体" panose="02010600040101010101" charset="-122"/>
+                <a:cs typeface="华文楷体" panose="02010600040101010101" charset="-122"/>
+                <a:sym typeface="+mn-ea"/>
+              </a:rPr>
+              <a:t>_</a:t>
+            </a:r>
+            <a:r>
+              <a:rPr lang="zh-CN" altLang="en-US" sz="2800" b="1" dirty="0">
+                <a:solidFill>
+                  <a:srgbClr val="FFC000"/>
+                </a:solidFill>
+                <a:latin typeface="华文楷体" panose="02010600040101010101" charset="-122"/>
+                <a:ea typeface="华文楷体" panose="02010600040101010101" charset="-122"/>
+                <a:cs typeface="华文楷体" panose="02010600040101010101" charset="-122"/>
+                <a:sym typeface="+mn-ea"/>
+              </a:rPr>
+              <a:t>块级</a:t>
             </a:r>
             <a:endParaRPr lang="zh-CN" altLang="en-US" sz="2800" b="1" dirty="0">
               <a:solidFill>
                 <a:srgbClr val="FFC000"/>
               </a:solidFill>
-              <a:latin typeface="微软雅黑" panose="020B0503020204020204" pitchFamily="34" charset="-122"/>
-              <a:ea typeface="微软雅黑" panose="020B0503020204020204" pitchFamily="34" charset="-122"/>
+              <a:latin typeface="华文楷体" panose="02010600040101010101" charset="-122"/>
+              <a:ea typeface="华文楷体" panose="02010600040101010101" charset="-122"/>
+              <a:cs typeface="华文楷体" panose="02010600040101010101" charset="-122"/>
+              <a:sym typeface="+mn-ea"/>
             </a:endParaRPr>
           </a:p>
         </p:txBody>
@@ -11754,7 +11195,7 @@
         <p:spPr>
           <a:xfrm>
             <a:off x="1545590" y="1526540"/>
-            <a:ext cx="6139815" cy="2246769"/>
+            <a:ext cx="6139815" cy="3169285"/>
           </a:xfrm>
           <a:prstGeom prst="rect">
             <a:avLst/>
@@ -11768,17 +11209,6 @@
           <a:lstStyle/>
           <a:p>
             <a:pPr algn="l"/>
-            <a:r>
-              <a:rPr lang="en-US" altLang="zh-CN" sz="2000" b="1" dirty="0">
-                <a:solidFill>
-                  <a:srgbClr val="FFC000"/>
-                </a:solidFill>
-                <a:latin typeface="华文楷体" panose="02010600040101010101" charset="-122"/>
-                <a:ea typeface="华文楷体" panose="02010600040101010101" charset="-122"/>
-                <a:cs typeface="华文楷体" panose="02010600040101010101" charset="-122"/>
-              </a:rPr>
-              <a:t>&lt;form&gt;</a:t>
-            </a:r>
             <a:endParaRPr lang="en-US" altLang="zh-CN" sz="2000" b="1" dirty="0">
               <a:solidFill>
                 <a:srgbClr val="FFC000"/>
@@ -11799,62 +11229,7 @@
                 <a:ea typeface="华文楷体" panose="02010600040101010101" charset="-122"/>
                 <a:cs typeface="华文楷体" panose="02010600040101010101" charset="-122"/>
               </a:rPr>
-              <a:t>	</a:t>
-            </a:r>
-            <a:r>
-              <a:rPr lang="zh-CN" altLang="en-US" sz="2000" b="1" dirty="0">
-                <a:solidFill>
-                  <a:srgbClr val="FFC000"/>
-                </a:solidFill>
-                <a:latin typeface="华文楷体" panose="02010600040101010101" charset="-122"/>
-                <a:ea typeface="华文楷体" panose="02010600040101010101" charset="-122"/>
-                <a:cs typeface="华文楷体" panose="02010600040101010101" charset="-122"/>
-              </a:rPr>
-              <a:t>表单标签</a:t>
-            </a:r>
-            <a:r>
-              <a:rPr lang="en-US" altLang="zh-CN" sz="2000" b="1" dirty="0">
-                <a:solidFill>
-                  <a:srgbClr val="FFC000"/>
-                </a:solidFill>
-                <a:latin typeface="华文楷体" panose="02010600040101010101" charset="-122"/>
-                <a:ea typeface="华文楷体" panose="02010600040101010101" charset="-122"/>
-                <a:cs typeface="华文楷体" panose="02010600040101010101" charset="-122"/>
-              </a:rPr>
-              <a:t>form</a:t>
-            </a:r>
-            <a:r>
-              <a:rPr lang="zh-CN" altLang="en-US" sz="2000" b="1" dirty="0">
-                <a:solidFill>
-                  <a:srgbClr val="FFC000"/>
-                </a:solidFill>
-                <a:latin typeface="华文楷体" panose="02010600040101010101" charset="-122"/>
-                <a:ea typeface="华文楷体" panose="02010600040101010101" charset="-122"/>
-                <a:cs typeface="华文楷体" panose="02010600040101010101" charset="-122"/>
-              </a:rPr>
-              <a:t>不可以用来修饰文字，它用来包裹</a:t>
-            </a:r>
-            <a:r>
-              <a:rPr lang="en-US" altLang="zh-CN" sz="2000" b="1" dirty="0">
-                <a:solidFill>
-                  <a:srgbClr val="FFC000"/>
-                </a:solidFill>
-                <a:latin typeface="华文楷体" panose="02010600040101010101" charset="-122"/>
-                <a:ea typeface="华文楷体" panose="02010600040101010101" charset="-122"/>
-                <a:cs typeface="华文楷体" panose="02010600040101010101" charset="-122"/>
-              </a:rPr>
-              <a:t>  </a:t>
-            </a:r>
-            <a:r>
-              <a:rPr lang="zh-CN" altLang="en-US" sz="2000" b="1" dirty="0">
-                <a:solidFill>
-                  <a:srgbClr val="FFC000"/>
-                </a:solidFill>
-                <a:latin typeface="华文楷体" panose="02010600040101010101" charset="-122"/>
-                <a:ea typeface="华文楷体" panose="02010600040101010101" charset="-122"/>
-                <a:cs typeface="华文楷体" panose="02010600040101010101" charset="-122"/>
-              </a:rPr>
-              <a:t>一组其它标签，用以形成一张表单</a:t>
+              <a:t>行内元素  inline</a:t>
             </a:r>
             <a:endParaRPr lang="en-US" altLang="zh-CN" sz="2000" b="1" dirty="0">
               <a:solidFill>
@@ -11876,7 +11251,7 @@
                 <a:ea typeface="华文楷体" panose="02010600040101010101" charset="-122"/>
                 <a:cs typeface="华文楷体" panose="02010600040101010101" charset="-122"/>
               </a:rPr>
-              <a:t>&lt;/form&gt;</a:t>
+              <a:t>	内容决定元素所占位置</a:t>
             </a:r>
             <a:endParaRPr lang="en-US" altLang="zh-CN" sz="2000" b="1" dirty="0">
               <a:solidFill>
@@ -11889,6 +11264,17 @@
           </a:p>
           <a:p>
             <a:pPr algn="l"/>
+            <a:r>
+              <a:rPr lang="en-US" altLang="zh-CN" sz="2000" b="1" dirty="0">
+                <a:solidFill>
+                  <a:srgbClr val="FFC000"/>
+                </a:solidFill>
+                <a:latin typeface="华文楷体" panose="02010600040101010101" charset="-122"/>
+                <a:ea typeface="华文楷体" panose="02010600040101010101" charset="-122"/>
+                <a:cs typeface="华文楷体" panose="02010600040101010101" charset="-122"/>
+              </a:rPr>
+              <a:t>	不可以通过css改变宽高</a:t>
+            </a:r>
             <a:endParaRPr lang="en-US" altLang="zh-CN" sz="2000" b="1" dirty="0">
               <a:solidFill>
                 <a:srgbClr val="FFC000"/>
@@ -11901,7 +11287,7 @@
           <a:p>
             <a:pPr algn="l"/>
             <a:r>
-              <a:rPr lang="zh-CN" altLang="en-US" sz="2000" b="1" dirty="0">
+              <a:rPr lang="en-US" altLang="zh-CN" sz="2000" b="1" dirty="0">
                 <a:solidFill>
                   <a:srgbClr val="FFC000"/>
                 </a:solidFill>
@@ -11909,40 +11295,7 @@
                 <a:ea typeface="华文楷体" panose="02010600040101010101" charset="-122"/>
                 <a:cs typeface="华文楷体" panose="02010600040101010101" charset="-122"/>
               </a:rPr>
-              <a:t>表单属性</a:t>
-            </a:r>
-            <a:r>
-              <a:rPr lang="en-US" altLang="zh-CN" sz="2000" b="1" dirty="0">
-                <a:solidFill>
-                  <a:srgbClr val="FFC000"/>
-                </a:solidFill>
-                <a:latin typeface="华文楷体" panose="02010600040101010101" charset="-122"/>
-                <a:ea typeface="华文楷体" panose="02010600040101010101" charset="-122"/>
-                <a:cs typeface="华文楷体" panose="02010600040101010101" charset="-122"/>
-              </a:rPr>
-              <a:t>(</a:t>
-            </a:r>
-            <a:r>
-              <a:rPr lang="zh-CN" altLang="en-US" sz="2000" b="1" dirty="0">
-                <a:solidFill>
-                  <a:srgbClr val="92D050"/>
-                </a:solidFill>
-                <a:latin typeface="华文楷体" panose="02010600040101010101" charset="-122"/>
-                <a:ea typeface="华文楷体" panose="02010600040101010101" charset="-122"/>
-                <a:cs typeface="华文楷体" panose="02010600040101010101" charset="-122"/>
-              </a:rPr>
-              <a:t>小写</a:t>
-            </a:r>
-            <a:r>
-              <a:rPr lang="en-US" altLang="zh-CN" sz="2000" b="1" dirty="0">
-                <a:solidFill>
-                  <a:srgbClr val="FFC000"/>
-                </a:solidFill>
-                <a:latin typeface="华文楷体" panose="02010600040101010101" charset="-122"/>
-                <a:ea typeface="华文楷体" panose="02010600040101010101" charset="-122"/>
-                <a:cs typeface="华文楷体" panose="02010600040101010101" charset="-122"/>
-              </a:rPr>
-              <a:t>)</a:t>
+              <a:t>块内元素 block</a:t>
             </a:r>
             <a:endParaRPr lang="en-US" altLang="zh-CN" sz="2000" b="1" dirty="0">
               <a:solidFill>
@@ -11964,7 +11317,95 @@
                 <a:ea typeface="华文楷体" panose="02010600040101010101" charset="-122"/>
                 <a:cs typeface="华文楷体" panose="02010600040101010101" charset="-122"/>
               </a:rPr>
-              <a:t>	id	action		method</a:t>
+              <a:t>	独占一行</a:t>
+            </a:r>
+            <a:endParaRPr lang="en-US" altLang="zh-CN" sz="2000" b="1" dirty="0">
+              <a:solidFill>
+                <a:srgbClr val="FFC000"/>
+              </a:solidFill>
+              <a:latin typeface="华文楷体" panose="02010600040101010101" charset="-122"/>
+              <a:ea typeface="华文楷体" panose="02010600040101010101" charset="-122"/>
+              <a:cs typeface="华文楷体" panose="02010600040101010101" charset="-122"/>
+            </a:endParaRPr>
+          </a:p>
+          <a:p>
+            <a:pPr algn="l"/>
+            <a:r>
+              <a:rPr lang="en-US" altLang="zh-CN" sz="2000" b="1" dirty="0">
+                <a:solidFill>
+                  <a:srgbClr val="FFC000"/>
+                </a:solidFill>
+                <a:latin typeface="华文楷体" panose="02010600040101010101" charset="-122"/>
+                <a:ea typeface="华文楷体" panose="02010600040101010101" charset="-122"/>
+                <a:cs typeface="华文楷体" panose="02010600040101010101" charset="-122"/>
+              </a:rPr>
+              <a:t>	可以通过css改变宽高</a:t>
+            </a:r>
+            <a:endParaRPr lang="en-US" altLang="zh-CN" sz="2000" b="1" dirty="0">
+              <a:solidFill>
+                <a:srgbClr val="FFC000"/>
+              </a:solidFill>
+              <a:latin typeface="华文楷体" panose="02010600040101010101" charset="-122"/>
+              <a:ea typeface="华文楷体" panose="02010600040101010101" charset="-122"/>
+              <a:cs typeface="华文楷体" panose="02010600040101010101" charset="-122"/>
+            </a:endParaRPr>
+          </a:p>
+          <a:p>
+            <a:pPr algn="l"/>
+            <a:r>
+              <a:rPr lang="en-US" altLang="zh-CN" sz="2000" b="1" dirty="0">
+                <a:solidFill>
+                  <a:srgbClr val="FFC000"/>
+                </a:solidFill>
+                <a:latin typeface="华文楷体" panose="02010600040101010101" charset="-122"/>
+                <a:ea typeface="华文楷体" panose="02010600040101010101" charset="-122"/>
+                <a:cs typeface="华文楷体" panose="02010600040101010101" charset="-122"/>
+              </a:rPr>
+              <a:t>行级块元素  img</a:t>
+            </a:r>
+            <a:endParaRPr lang="en-US" altLang="zh-CN" sz="2000" b="1" dirty="0">
+              <a:solidFill>
+                <a:srgbClr val="FFC000"/>
+              </a:solidFill>
+              <a:latin typeface="华文楷体" panose="02010600040101010101" charset="-122"/>
+              <a:ea typeface="华文楷体" panose="02010600040101010101" charset="-122"/>
+              <a:cs typeface="华文楷体" panose="02010600040101010101" charset="-122"/>
+            </a:endParaRPr>
+          </a:p>
+          <a:p>
+            <a:pPr algn="l"/>
+            <a:r>
+              <a:rPr lang="en-US" altLang="zh-CN" sz="2000" b="1" dirty="0">
+                <a:solidFill>
+                  <a:srgbClr val="FFC000"/>
+                </a:solidFill>
+                <a:latin typeface="华文楷体" panose="02010600040101010101" charset="-122"/>
+                <a:ea typeface="华文楷体" panose="02010600040101010101" charset="-122"/>
+                <a:cs typeface="华文楷体" panose="02010600040101010101" charset="-122"/>
+              </a:rPr>
+              <a:t>	内容决定大小</a:t>
+            </a:r>
+            <a:endParaRPr lang="en-US" altLang="zh-CN" sz="2000" b="1" dirty="0">
+              <a:solidFill>
+                <a:srgbClr val="FFC000"/>
+              </a:solidFill>
+              <a:latin typeface="华文楷体" panose="02010600040101010101" charset="-122"/>
+              <a:ea typeface="华文楷体" panose="02010600040101010101" charset="-122"/>
+              <a:cs typeface="华文楷体" panose="02010600040101010101" charset="-122"/>
+            </a:endParaRPr>
+          </a:p>
+          <a:p>
+            <a:pPr algn="l"/>
+            <a:r>
+              <a:rPr lang="en-US" altLang="zh-CN" sz="2000" b="1" dirty="0">
+                <a:solidFill>
+                  <a:srgbClr val="FFC000"/>
+                </a:solidFill>
+                <a:latin typeface="华文楷体" panose="02010600040101010101" charset="-122"/>
+                <a:ea typeface="华文楷体" panose="02010600040101010101" charset="-122"/>
+                <a:cs typeface="华文楷体" panose="02010600040101010101" charset="-122"/>
+              </a:rPr>
+              <a:t>	可以通过css改变宽高</a:t>
             </a:r>
             <a:endParaRPr lang="en-US" altLang="zh-CN" sz="2000" b="1" dirty="0">
               <a:solidFill>
@@ -12214,7 +11655,7 @@
         </p:nvSpPr>
         <p:spPr>
           <a:xfrm>
-            <a:off x="2331720" y="501015"/>
+            <a:off x="2331720" y="895985"/>
             <a:ext cx="4480560" cy="521970"/>
           </a:xfrm>
           <a:prstGeom prst="rect">
@@ -12230,51 +11671,21 @@
           <a:p>
             <a:pPr algn="ctr"/>
             <a:r>
-              <a:rPr lang="en-US" altLang="zh-CN" sz="2800" b="1" dirty="0">
+              <a:rPr lang="zh-CN" sz="2800" b="1" dirty="0">
                 <a:solidFill>
                   <a:srgbClr val="FFC000"/>
                 </a:solidFill>
-                <a:latin typeface="微软雅黑" panose="020B0503020204020204" pitchFamily="34" charset="-122"/>
-                <a:ea typeface="微软雅黑" panose="020B0503020204020204" pitchFamily="34" charset="-122"/>
+                <a:latin typeface="仿宋" panose="02010609060101010101" pitchFamily="49" charset="-122"/>
+                <a:ea typeface="仿宋" panose="02010609060101010101" pitchFamily="49" charset="-122"/>
               </a:rPr>
-              <a:t>Input</a:t>
-            </a:r>
-            <a:r>
-              <a:rPr lang="zh-CN" altLang="en-US" sz="2800" b="1" dirty="0">
-                <a:solidFill>
-                  <a:srgbClr val="FFC000"/>
-                </a:solidFill>
-                <a:latin typeface="微软雅黑" panose="020B0503020204020204" pitchFamily="34" charset="-122"/>
-                <a:ea typeface="微软雅黑" panose="020B0503020204020204" pitchFamily="34" charset="-122"/>
-              </a:rPr>
-              <a:t>标签</a:t>
-            </a:r>
-            <a:r>
-              <a:rPr lang="en-US" altLang="zh-CN" sz="2800" b="1" dirty="0">
-                <a:solidFill>
-                  <a:srgbClr val="FFC000"/>
-                </a:solidFill>
-                <a:latin typeface="微软雅黑" panose="020B0503020204020204" pitchFamily="34" charset="-122"/>
-                <a:ea typeface="微软雅黑" panose="020B0503020204020204" pitchFamily="34" charset="-122"/>
-              </a:rPr>
-              <a:t>-</a:t>
-            </a:r>
-            <a:r>
-              <a:rPr lang="zh-CN" altLang="en-US" sz="2800" b="1" dirty="0">
-                <a:solidFill>
-                  <a:srgbClr val="92D050"/>
-                </a:solidFill>
-                <a:latin typeface="微软雅黑" panose="020B0503020204020204" pitchFamily="34" charset="-122"/>
-                <a:ea typeface="微软雅黑" panose="020B0503020204020204" pitchFamily="34" charset="-122"/>
-              </a:rPr>
-              <a:t>变形金刚</a:t>
-            </a:r>
-            <a:endParaRPr lang="zh-CN" altLang="en-US" sz="2800" b="1" dirty="0">
+              <a:t>行级标签</a:t>
+            </a:r>
+            <a:endParaRPr lang="zh-CN" sz="2800" b="1" dirty="0">
               <a:solidFill>
-                <a:srgbClr val="92D050"/>
+                <a:srgbClr val="FFC000"/>
               </a:solidFill>
-              <a:latin typeface="微软雅黑" panose="020B0503020204020204" pitchFamily="34" charset="-122"/>
-              <a:ea typeface="微软雅黑" panose="020B0503020204020204" pitchFamily="34" charset="-122"/>
+              <a:latin typeface="仿宋" panose="02010609060101010101" pitchFamily="49" charset="-122"/>
+              <a:ea typeface="仿宋" panose="02010609060101010101" pitchFamily="49" charset="-122"/>
             </a:endParaRPr>
           </a:p>
         </p:txBody>
@@ -12287,8 +11698,8 @@
         </p:nvSpPr>
         <p:spPr>
           <a:xfrm>
-            <a:off x="1545590" y="1167130"/>
-            <a:ext cx="6139815" cy="3599815"/>
+            <a:off x="1545590" y="1526540"/>
+            <a:ext cx="6863715" cy="398780"/>
           </a:xfrm>
           <a:prstGeom prst="rect">
             <a:avLst/>
@@ -12307,282 +11718,18 @@
                 <a:solidFill>
                   <a:srgbClr val="FFC000"/>
                 </a:solidFill>
-                <a:latin typeface="华文楷体" panose="02010600040101010101" charset="-122"/>
-                <a:ea typeface="华文楷体" panose="02010600040101010101" charset="-122"/>
+                <a:latin typeface="微软雅黑" panose="020B0503020204020204" pitchFamily="34" charset="-122"/>
+                <a:ea typeface="微软雅黑" panose="020B0503020204020204" pitchFamily="34" charset="-122"/>
                 <a:cs typeface="华文楷体" panose="02010600040101010101" charset="-122"/>
               </a:rPr>
-              <a:t>input</a:t>
-            </a:r>
-            <a:r>
-              <a:rPr lang="zh-CN" altLang="en-US" sz="2000" b="1" dirty="0">
-                <a:solidFill>
-                  <a:srgbClr val="FFC000"/>
-                </a:solidFill>
-                <a:latin typeface="华文楷体" panose="02010600040101010101" charset="-122"/>
-                <a:ea typeface="华文楷体" panose="02010600040101010101" charset="-122"/>
-                <a:cs typeface="华文楷体" panose="02010600040101010101" charset="-122"/>
-              </a:rPr>
-              <a:t>标签</a:t>
-            </a:r>
-            <a:endParaRPr lang="zh-CN" altLang="en-US" sz="2000" b="1" dirty="0">
+              <a:t>&lt;a&gt;</a:t>
+            </a:r>
+            <a:endParaRPr lang="en-US" sz="2000" b="1" dirty="0">
               <a:solidFill>
                 <a:srgbClr val="FFC000"/>
               </a:solidFill>
-              <a:latin typeface="华文楷体" panose="02010600040101010101" charset="-122"/>
-              <a:ea typeface="华文楷体" panose="02010600040101010101" charset="-122"/>
-              <a:cs typeface="华文楷体" panose="02010600040101010101" charset="-122"/>
-            </a:endParaRPr>
-          </a:p>
-          <a:p>
-            <a:pPr algn="l"/>
-            <a:r>
-              <a:rPr lang="en-US" altLang="zh-CN" sz="2000" b="1" dirty="0">
-                <a:solidFill>
-                  <a:srgbClr val="FFC000"/>
-                </a:solidFill>
-                <a:latin typeface="华文楷体" panose="02010600040101010101" charset="-122"/>
-                <a:ea typeface="华文楷体" panose="02010600040101010101" charset="-122"/>
-                <a:cs typeface="华文楷体" panose="02010600040101010101" charset="-122"/>
-              </a:rPr>
-              <a:t>	input</a:t>
-            </a:r>
-            <a:r>
-              <a:rPr lang="zh-CN" altLang="en-US" sz="2000" b="1" dirty="0">
-                <a:solidFill>
-                  <a:srgbClr val="FFC000"/>
-                </a:solidFill>
-                <a:latin typeface="华文楷体" panose="02010600040101010101" charset="-122"/>
-                <a:ea typeface="华文楷体" panose="02010600040101010101" charset="-122"/>
-                <a:cs typeface="华文楷体" panose="02010600040101010101" charset="-122"/>
-              </a:rPr>
-              <a:t>标签是一种变形标签</a:t>
-            </a:r>
-            <a:r>
-              <a:rPr lang="en-US" altLang="zh-CN" sz="2000" b="1" dirty="0">
-                <a:solidFill>
-                  <a:srgbClr val="FFC000"/>
-                </a:solidFill>
-                <a:latin typeface="华文楷体" panose="02010600040101010101" charset="-122"/>
-                <a:ea typeface="华文楷体" panose="02010600040101010101" charset="-122"/>
-                <a:cs typeface="华文楷体" panose="02010600040101010101" charset="-122"/>
-              </a:rPr>
-              <a:t>,</a:t>
-            </a:r>
-            <a:r>
-              <a:rPr lang="zh-CN" altLang="en-US" sz="2000" b="1" dirty="0">
-                <a:solidFill>
-                  <a:srgbClr val="FFC000"/>
-                </a:solidFill>
-                <a:latin typeface="华文楷体" panose="02010600040101010101" charset="-122"/>
-                <a:ea typeface="华文楷体" panose="02010600040101010101" charset="-122"/>
-                <a:cs typeface="华文楷体" panose="02010600040101010101" charset="-122"/>
-              </a:rPr>
-              <a:t>标签的形态是根据标签</a:t>
-            </a:r>
-            <a:r>
-              <a:rPr lang="en-US" altLang="zh-CN" sz="2000" b="1" dirty="0">
-                <a:solidFill>
-                  <a:srgbClr val="FFC000"/>
-                </a:solidFill>
-                <a:latin typeface="华文楷体" panose="02010600040101010101" charset="-122"/>
-                <a:ea typeface="华文楷体" panose="02010600040101010101" charset="-122"/>
-                <a:cs typeface="华文楷体" panose="02010600040101010101" charset="-122"/>
-              </a:rPr>
-              <a:t>type</a:t>
-            </a:r>
-            <a:r>
-              <a:rPr lang="zh-CN" altLang="en-US" sz="2000" b="1" dirty="0">
-                <a:solidFill>
-                  <a:srgbClr val="FFC000"/>
-                </a:solidFill>
-                <a:latin typeface="华文楷体" panose="02010600040101010101" charset="-122"/>
-                <a:ea typeface="华文楷体" panose="02010600040101010101" charset="-122"/>
-                <a:cs typeface="华文楷体" panose="02010600040101010101" charset="-122"/>
-              </a:rPr>
-              <a:t>属性的值决定的</a:t>
-            </a:r>
-            <a:r>
-              <a:rPr lang="en-US" altLang="zh-CN" sz="2000" b="1" dirty="0">
-                <a:solidFill>
-                  <a:srgbClr val="FFC000"/>
-                </a:solidFill>
-                <a:latin typeface="华文楷体" panose="02010600040101010101" charset="-122"/>
-                <a:ea typeface="华文楷体" panose="02010600040101010101" charset="-122"/>
-                <a:cs typeface="华文楷体" panose="02010600040101010101" charset="-122"/>
-              </a:rPr>
-              <a:t>,input</a:t>
-            </a:r>
-            <a:r>
-              <a:rPr lang="zh-CN" altLang="en-US" sz="2000" b="1" dirty="0">
-                <a:solidFill>
-                  <a:srgbClr val="FFC000"/>
-                </a:solidFill>
-                <a:latin typeface="华文楷体" panose="02010600040101010101" charset="-122"/>
-                <a:ea typeface="华文楷体" panose="02010600040101010101" charset="-122"/>
-                <a:cs typeface="华文楷体" panose="02010600040101010101" charset="-122"/>
-              </a:rPr>
-              <a:t>标签主要是用于收集用户信息</a:t>
-            </a:r>
-            <a:endParaRPr lang="zh-CN" altLang="en-US" sz="2000" b="1" dirty="0">
-              <a:solidFill>
-                <a:srgbClr val="FFC000"/>
-              </a:solidFill>
-              <a:latin typeface="华文楷体" panose="02010600040101010101" charset="-122"/>
-              <a:ea typeface="华文楷体" panose="02010600040101010101" charset="-122"/>
-              <a:cs typeface="华文楷体" panose="02010600040101010101" charset="-122"/>
-            </a:endParaRPr>
-          </a:p>
-          <a:p>
-            <a:pPr algn="l"/>
-            <a:endParaRPr lang="zh-CN" altLang="en-US" sz="2000" b="1" dirty="0">
-              <a:solidFill>
-                <a:srgbClr val="FFC000"/>
-              </a:solidFill>
-              <a:latin typeface="华文楷体" panose="02010600040101010101" charset="-122"/>
-              <a:ea typeface="华文楷体" panose="02010600040101010101" charset="-122"/>
-              <a:cs typeface="华文楷体" panose="02010600040101010101" charset="-122"/>
-            </a:endParaRPr>
-          </a:p>
-          <a:p>
-            <a:pPr algn="l"/>
-            <a:r>
-              <a:rPr lang="en-US" altLang="zh-CN" sz="2000" b="1" dirty="0">
-                <a:solidFill>
-                  <a:srgbClr val="FFC000"/>
-                </a:solidFill>
-                <a:latin typeface="华文楷体" panose="02010600040101010101" charset="-122"/>
-                <a:ea typeface="华文楷体" panose="02010600040101010101" charset="-122"/>
-                <a:cs typeface="华文楷体" panose="02010600040101010101" charset="-122"/>
-              </a:rPr>
-              <a:t>input</a:t>
-            </a:r>
-            <a:r>
-              <a:rPr lang="zh-CN" altLang="en-US" sz="2000" b="1" dirty="0">
-                <a:solidFill>
-                  <a:srgbClr val="FFC000"/>
-                </a:solidFill>
-                <a:latin typeface="华文楷体" panose="02010600040101010101" charset="-122"/>
-                <a:ea typeface="华文楷体" panose="02010600040101010101" charset="-122"/>
-                <a:cs typeface="华文楷体" panose="02010600040101010101" charset="-122"/>
-              </a:rPr>
-              <a:t>标签常用属性</a:t>
-            </a:r>
-            <a:endParaRPr lang="zh-CN" altLang="en-US" sz="2000" b="1" dirty="0">
-              <a:solidFill>
-                <a:srgbClr val="FFC000"/>
-              </a:solidFill>
-              <a:latin typeface="华文楷体" panose="02010600040101010101" charset="-122"/>
-              <a:ea typeface="华文楷体" panose="02010600040101010101" charset="-122"/>
-              <a:cs typeface="华文楷体" panose="02010600040101010101" charset="-122"/>
-            </a:endParaRPr>
-          </a:p>
-          <a:p>
-            <a:pPr algn="l"/>
-            <a:r>
-              <a:rPr lang="en-US" altLang="zh-CN" sz="2000" b="1" dirty="0">
-                <a:solidFill>
-                  <a:srgbClr val="FFC000"/>
-                </a:solidFill>
-                <a:latin typeface="华文楷体" panose="02010600040101010101" charset="-122"/>
-                <a:ea typeface="华文楷体" panose="02010600040101010101" charset="-122"/>
-                <a:cs typeface="华文楷体" panose="02010600040101010101" charset="-122"/>
-              </a:rPr>
-              <a:t>	</a:t>
-            </a:r>
-            <a:r>
-              <a:rPr lang="en-US" altLang="zh-CN" sz="2800" b="1" dirty="0">
-                <a:solidFill>
-                  <a:srgbClr val="92D050"/>
-                </a:solidFill>
-                <a:latin typeface="华文楷体" panose="02010600040101010101" charset="-122"/>
-                <a:ea typeface="华文楷体" panose="02010600040101010101" charset="-122"/>
-                <a:cs typeface="华文楷体" panose="02010600040101010101" charset="-122"/>
-              </a:rPr>
-              <a:t>type	name	 value</a:t>
-            </a:r>
-            <a:endParaRPr lang="en-US" altLang="zh-CN" sz="2800" b="1" dirty="0">
-              <a:solidFill>
-                <a:srgbClr val="92D050"/>
-              </a:solidFill>
-              <a:latin typeface="华文楷体" panose="02010600040101010101" charset="-122"/>
-              <a:ea typeface="华文楷体" panose="02010600040101010101" charset="-122"/>
-              <a:cs typeface="华文楷体" panose="02010600040101010101" charset="-122"/>
-            </a:endParaRPr>
-          </a:p>
-          <a:p>
-            <a:pPr algn="l"/>
-            <a:endParaRPr lang="zh-CN" altLang="en-US" sz="2000" b="1" dirty="0">
-              <a:solidFill>
-                <a:srgbClr val="FFC000"/>
-              </a:solidFill>
-              <a:latin typeface="华文楷体" panose="02010600040101010101" charset="-122"/>
-              <a:ea typeface="华文楷体" panose="02010600040101010101" charset="-122"/>
-              <a:cs typeface="华文楷体" panose="02010600040101010101" charset="-122"/>
-            </a:endParaRPr>
-          </a:p>
-          <a:p>
-            <a:pPr algn="l"/>
-            <a:r>
-              <a:rPr lang="zh-CN" altLang="en-US" sz="2000" b="1" dirty="0">
-                <a:solidFill>
-                  <a:srgbClr val="FFC000"/>
-                </a:solidFill>
-                <a:latin typeface="华文楷体" panose="02010600040101010101" charset="-122"/>
-                <a:ea typeface="华文楷体" panose="02010600040101010101" charset="-122"/>
-                <a:cs typeface="华文楷体" panose="02010600040101010101" charset="-122"/>
-              </a:rPr>
-              <a:t>type属性常用值</a:t>
-            </a:r>
-            <a:endParaRPr lang="zh-CN" altLang="en-US" sz="2000" b="1" dirty="0">
-              <a:solidFill>
-                <a:srgbClr val="FFC000"/>
-              </a:solidFill>
-              <a:latin typeface="华文楷体" panose="02010600040101010101" charset="-122"/>
-              <a:ea typeface="华文楷体" panose="02010600040101010101" charset="-122"/>
-              <a:cs typeface="华文楷体" panose="02010600040101010101" charset="-122"/>
-            </a:endParaRPr>
-          </a:p>
-          <a:p>
-            <a:pPr algn="l"/>
-            <a:r>
-              <a:rPr lang="en-US" altLang="zh-CN" sz="2000" b="1" dirty="0">
-                <a:solidFill>
-                  <a:srgbClr val="FFC000"/>
-                </a:solidFill>
-                <a:latin typeface="华文楷体" panose="02010600040101010101" charset="-122"/>
-                <a:ea typeface="华文楷体" panose="02010600040101010101" charset="-122"/>
-                <a:cs typeface="华文楷体" panose="02010600040101010101" charset="-122"/>
-              </a:rPr>
-              <a:t>	 button   checkbox   file    hidden    image  </a:t>
-            </a:r>
-            <a:endParaRPr lang="en-US" altLang="zh-CN" sz="2000" b="1" dirty="0">
-              <a:solidFill>
-                <a:srgbClr val="FFC000"/>
-              </a:solidFill>
-              <a:latin typeface="华文楷体" panose="02010600040101010101" charset="-122"/>
-              <a:ea typeface="华文楷体" panose="02010600040101010101" charset="-122"/>
-              <a:cs typeface="华文楷体" panose="02010600040101010101" charset="-122"/>
-            </a:endParaRPr>
-          </a:p>
-          <a:p>
-            <a:pPr algn="l"/>
-            <a:r>
-              <a:rPr lang="en-US" altLang="zh-CN" sz="2000" b="1" dirty="0">
-                <a:solidFill>
-                  <a:srgbClr val="FFC000"/>
-                </a:solidFill>
-                <a:latin typeface="华文楷体" panose="02010600040101010101" charset="-122"/>
-                <a:ea typeface="华文楷体" panose="02010600040101010101" charset="-122"/>
-                <a:cs typeface="华文楷体" panose="02010600040101010101" charset="-122"/>
-              </a:rPr>
-              <a:t>	 password    radio    reset   submit   text</a:t>
-            </a:r>
-            <a:endParaRPr lang="en-US" altLang="zh-CN" sz="2000" b="1" dirty="0">
-              <a:solidFill>
-                <a:srgbClr val="FFC000"/>
-              </a:solidFill>
-              <a:latin typeface="华文楷体" panose="02010600040101010101" charset="-122"/>
-              <a:ea typeface="华文楷体" panose="02010600040101010101" charset="-122"/>
+              <a:latin typeface="微软雅黑" panose="020B0503020204020204" pitchFamily="34" charset="-122"/>
+              <a:ea typeface="微软雅黑" panose="020B0503020204020204" pitchFamily="34" charset="-122"/>
               <a:cs typeface="华文楷体" panose="02010600040101010101" charset="-122"/>
             </a:endParaRPr>
           </a:p>
@@ -12841,26 +11988,16 @@
           <a:p>
             <a:pPr algn="ctr"/>
             <a:r>
-              <a:rPr lang="en-US" altLang="zh-CN" sz="2800" b="1" dirty="0">
+              <a:rPr lang="zh-CN" sz="2800" b="1" dirty="0">
                 <a:solidFill>
                   <a:srgbClr val="FFC000"/>
                 </a:solidFill>
                 <a:latin typeface="仿宋" panose="02010609060101010101" pitchFamily="49" charset="-122"/>
                 <a:ea typeface="仿宋" panose="02010609060101010101" pitchFamily="49" charset="-122"/>
               </a:rPr>
-              <a:t>label</a:t>
-            </a:r>
-            <a:r>
-              <a:rPr lang="zh-CN" altLang="en-US" sz="2800" b="1" dirty="0">
-                <a:solidFill>
-                  <a:srgbClr val="FFC000"/>
-                </a:solidFill>
-                <a:latin typeface="仿宋" panose="02010609060101010101" pitchFamily="49" charset="-122"/>
-                <a:ea typeface="仿宋" panose="02010609060101010101" pitchFamily="49" charset="-122"/>
-              </a:rPr>
-              <a:t>标签介绍</a:t>
-            </a:r>
-            <a:endParaRPr lang="zh-CN" altLang="en-US" sz="2800" b="1" dirty="0">
+              <a:t>块级</a:t>
+            </a:r>
+            <a:endParaRPr lang="zh-CN" sz="2800" b="1" dirty="0">
               <a:solidFill>
                 <a:srgbClr val="FFC000"/>
               </a:solidFill>
@@ -12879,7 +12016,7 @@
         <p:spPr>
           <a:xfrm>
             <a:off x="1545590" y="1526540"/>
-            <a:ext cx="6863715" cy="3169285"/>
+            <a:ext cx="6863715" cy="1322070"/>
           </a:xfrm>
           <a:prstGeom prst="rect">
             <a:avLst/>
@@ -12902,7 +12039,7 @@
                 <a:ea typeface="微软雅黑" panose="020B0503020204020204" pitchFamily="34" charset="-122"/>
                 <a:cs typeface="华文楷体" panose="02010600040101010101" charset="-122"/>
               </a:rPr>
-              <a:t>&lt;input type=”text” name=”name”/&gt;</a:t>
+              <a:t>&lt;p&gt;</a:t>
             </a:r>
             <a:endParaRPr lang="en-US" sz="2000" b="1" dirty="0">
               <a:solidFill>
@@ -12915,6 +12052,17 @@
           </a:p>
           <a:p>
             <a:pPr algn="l"/>
+            <a:r>
+              <a:rPr lang="en-US" sz="2000" b="1" dirty="0">
+                <a:solidFill>
+                  <a:srgbClr val="FFC000"/>
+                </a:solidFill>
+                <a:latin typeface="微软雅黑" panose="020B0503020204020204" pitchFamily="34" charset="-122"/>
+                <a:ea typeface="微软雅黑" panose="020B0503020204020204" pitchFamily="34" charset="-122"/>
+                <a:cs typeface="华文楷体" panose="02010600040101010101" charset="-122"/>
+              </a:rPr>
+              <a:t>&lt;h1&gt;-&lt;h6&gt;</a:t>
+            </a:r>
             <a:endParaRPr lang="en-US" sz="2000" b="1" dirty="0">
               <a:solidFill>
                 <a:srgbClr val="FFC000"/>
@@ -12934,22 +12082,9 @@
                 <a:latin typeface="微软雅黑" panose="020B0503020204020204" pitchFamily="34" charset="-122"/>
                 <a:ea typeface="微软雅黑" panose="020B0503020204020204" pitchFamily="34" charset="-122"/>
                 <a:cs typeface="华文楷体" panose="02010600040101010101" charset="-122"/>
-                <a:sym typeface="+mn-ea"/>
               </a:rPr>
-              <a:t>&lt;input type=”text” name=”name”/&gt;</a:t>
-            </a:r>
-            <a:endParaRPr lang="en-US" sz="2000" b="1" dirty="0">
-              <a:solidFill>
-                <a:srgbClr val="FFC000"/>
-              </a:solidFill>
-              <a:latin typeface="微软雅黑" panose="020B0503020204020204" pitchFamily="34" charset="-122"/>
-              <a:ea typeface="微软雅黑" panose="020B0503020204020204" pitchFamily="34" charset="-122"/>
-              <a:cs typeface="华文楷体" panose="02010600040101010101" charset="-122"/>
-              <a:sym typeface="+mn-ea"/>
-            </a:endParaRPr>
-          </a:p>
-          <a:p>
-            <a:pPr algn="l"/>
+              <a:t>&lt;div&gt;	定义文档中的节。</a:t>
+            </a:r>
             <a:endParaRPr lang="en-US" sz="2000" b="1" dirty="0">
               <a:solidFill>
                 <a:srgbClr val="FFC000"/>
@@ -12969,91 +12104,9 @@
                 <a:latin typeface="微软雅黑" panose="020B0503020204020204" pitchFamily="34" charset="-122"/>
                 <a:ea typeface="微软雅黑" panose="020B0503020204020204" pitchFamily="34" charset="-122"/>
                 <a:cs typeface="华文楷体" panose="02010600040101010101" charset="-122"/>
-                <a:sym typeface="+mn-ea"/>
               </a:rPr>
-              <a:t>&lt;input type=”text” name=”name”/&gt;</a:t>
-            </a:r>
-            <a:endParaRPr lang="en-US" sz="2000" b="1" dirty="0">
-              <a:solidFill>
-                <a:srgbClr val="FFC000"/>
-              </a:solidFill>
-              <a:latin typeface="微软雅黑" panose="020B0503020204020204" pitchFamily="34" charset="-122"/>
-              <a:ea typeface="微软雅黑" panose="020B0503020204020204" pitchFamily="34" charset="-122"/>
-              <a:cs typeface="华文楷体" panose="02010600040101010101" charset="-122"/>
-              <a:sym typeface="+mn-ea"/>
-            </a:endParaRPr>
-          </a:p>
-          <a:p>
-            <a:pPr algn="l"/>
-            <a:endParaRPr lang="en-US" sz="2000" b="1" dirty="0">
-              <a:solidFill>
-                <a:srgbClr val="FFC000"/>
-              </a:solidFill>
-              <a:latin typeface="微软雅黑" panose="020B0503020204020204" pitchFamily="34" charset="-122"/>
-              <a:ea typeface="微软雅黑" panose="020B0503020204020204" pitchFamily="34" charset="-122"/>
-              <a:cs typeface="华文楷体" panose="02010600040101010101" charset="-122"/>
-            </a:endParaRPr>
-          </a:p>
-          <a:p>
-            <a:pPr algn="l"/>
-            <a:r>
-              <a:rPr lang="en-US" sz="2000" b="1" dirty="0">
-                <a:solidFill>
-                  <a:srgbClr val="FFC000"/>
-                </a:solidFill>
-                <a:latin typeface="微软雅黑" panose="020B0503020204020204" pitchFamily="34" charset="-122"/>
-                <a:ea typeface="微软雅黑" panose="020B0503020204020204" pitchFamily="34" charset="-122"/>
-                <a:cs typeface="华文楷体" panose="02010600040101010101" charset="-122"/>
-                <a:sym typeface="+mn-ea"/>
-              </a:rPr>
-              <a:t>&lt;input type=”text” name=”name”/&gt;</a:t>
-            </a:r>
-            <a:endParaRPr lang="en-US" sz="2000" b="1" dirty="0">
-              <a:solidFill>
-                <a:srgbClr val="FFC000"/>
-              </a:solidFill>
-              <a:latin typeface="微软雅黑" panose="020B0503020204020204" pitchFamily="34" charset="-122"/>
-              <a:ea typeface="微软雅黑" panose="020B0503020204020204" pitchFamily="34" charset="-122"/>
-              <a:cs typeface="华文楷体" panose="02010600040101010101" charset="-122"/>
-              <a:sym typeface="+mn-ea"/>
-            </a:endParaRPr>
-          </a:p>
-          <a:p>
-            <a:pPr algn="l"/>
-            <a:endParaRPr lang="en-US" sz="2000" b="1" dirty="0">
-              <a:solidFill>
-                <a:srgbClr val="FFC000"/>
-              </a:solidFill>
-              <a:latin typeface="微软雅黑" panose="020B0503020204020204" pitchFamily="34" charset="-122"/>
-              <a:ea typeface="微软雅黑" panose="020B0503020204020204" pitchFamily="34" charset="-122"/>
-              <a:cs typeface="华文楷体" panose="02010600040101010101" charset="-122"/>
-            </a:endParaRPr>
-          </a:p>
-          <a:p>
-            <a:pPr algn="l"/>
-            <a:r>
-              <a:rPr lang="en-US" sz="2000" b="1" dirty="0">
-                <a:solidFill>
-                  <a:srgbClr val="FFC000"/>
-                </a:solidFill>
-                <a:latin typeface="微软雅黑" panose="020B0503020204020204" pitchFamily="34" charset="-122"/>
-                <a:ea typeface="微软雅黑" panose="020B0503020204020204" pitchFamily="34" charset="-122"/>
-                <a:cs typeface="华文楷体" panose="02010600040101010101" charset="-122"/>
-                <a:sym typeface="+mn-ea"/>
-              </a:rPr>
-              <a:t>&lt;input type=”text” name=”name”/&gt;</a:t>
-            </a:r>
-            <a:endParaRPr lang="en-US" sz="2000" b="1" dirty="0">
-              <a:solidFill>
-                <a:srgbClr val="FFC000"/>
-              </a:solidFill>
-              <a:latin typeface="微软雅黑" panose="020B0503020204020204" pitchFamily="34" charset="-122"/>
-              <a:ea typeface="微软雅黑" panose="020B0503020204020204" pitchFamily="34" charset="-122"/>
-              <a:cs typeface="华文楷体" panose="02010600040101010101" charset="-122"/>
-            </a:endParaRPr>
-          </a:p>
-          <a:p>
-            <a:pPr algn="l"/>
+              <a:t>&lt;section&gt;</a:t>
+            </a:r>
             <a:endParaRPr lang="en-US" sz="2000" b="1" dirty="0">
               <a:solidFill>
                 <a:srgbClr val="FFC000"/>
@@ -13302,7 +12355,7 @@
         </p:nvSpPr>
         <p:spPr>
           <a:xfrm>
-            <a:off x="2331720" y="895985"/>
+            <a:off x="2331720" y="501015"/>
             <a:ext cx="4480560" cy="521970"/>
           </a:xfrm>
           <a:prstGeom prst="rect">
@@ -13322,8 +12375,8 @@
                 <a:solidFill>
                   <a:srgbClr val="FFC000"/>
                 </a:solidFill>
-                <a:latin typeface="仿宋" panose="02010609060101010101" pitchFamily="49" charset="-122"/>
-                <a:ea typeface="仿宋" panose="02010609060101010101" pitchFamily="49" charset="-122"/>
+                <a:latin typeface="微软雅黑" panose="020B0503020204020204" pitchFamily="34" charset="-122"/>
+                <a:ea typeface="微软雅黑" panose="020B0503020204020204" pitchFamily="34" charset="-122"/>
               </a:rPr>
               <a:t>Input</a:t>
             </a:r>
@@ -13332,17 +12385,37 @@
                 <a:solidFill>
                   <a:srgbClr val="FFC000"/>
                 </a:solidFill>
-                <a:latin typeface="仿宋" panose="02010609060101010101" pitchFamily="49" charset="-122"/>
-                <a:ea typeface="仿宋" panose="02010609060101010101" pitchFamily="49" charset="-122"/>
+                <a:latin typeface="微软雅黑" panose="020B0503020204020204" pitchFamily="34" charset="-122"/>
+                <a:ea typeface="微软雅黑" panose="020B0503020204020204" pitchFamily="34" charset="-122"/>
               </a:rPr>
-              <a:t>标签介绍</a:t>
+              <a:t>标签</a:t>
+            </a:r>
+            <a:r>
+              <a:rPr lang="en-US" altLang="zh-CN" sz="2800" b="1" dirty="0">
+                <a:solidFill>
+                  <a:srgbClr val="FFC000"/>
+                </a:solidFill>
+                <a:latin typeface="微软雅黑" panose="020B0503020204020204" pitchFamily="34" charset="-122"/>
+                <a:ea typeface="微软雅黑" panose="020B0503020204020204" pitchFamily="34" charset="-122"/>
+              </a:rPr>
+              <a:t>-</a:t>
+            </a:r>
+            <a:r>
+              <a:rPr lang="zh-CN" altLang="en-US" sz="2800" b="1" dirty="0">
+                <a:solidFill>
+                  <a:srgbClr val="92D050"/>
+                </a:solidFill>
+                <a:latin typeface="微软雅黑" panose="020B0503020204020204" pitchFamily="34" charset="-122"/>
+                <a:ea typeface="微软雅黑" panose="020B0503020204020204" pitchFamily="34" charset="-122"/>
+              </a:rPr>
+              <a:t>变形金刚</a:t>
             </a:r>
             <a:endParaRPr lang="zh-CN" altLang="en-US" sz="2800" b="1" dirty="0">
               <a:solidFill>
-                <a:srgbClr val="FFC000"/>
+                <a:srgbClr val="92D050"/>
               </a:solidFill>
-              <a:latin typeface="仿宋" panose="02010609060101010101" pitchFamily="49" charset="-122"/>
-              <a:ea typeface="仿宋" panose="02010609060101010101" pitchFamily="49" charset="-122"/>
+              <a:latin typeface="微软雅黑" panose="020B0503020204020204" pitchFamily="34" charset="-122"/>
+              <a:ea typeface="微软雅黑" panose="020B0503020204020204" pitchFamily="34" charset="-122"/>
             </a:endParaRPr>
           </a:p>
         </p:txBody>
@@ -13355,8 +12428,8 @@
         </p:nvSpPr>
         <p:spPr>
           <a:xfrm>
-            <a:off x="1545590" y="1526540"/>
-            <a:ext cx="6863715" cy="3169285"/>
+            <a:off x="1545590" y="1167130"/>
+            <a:ext cx="6139815" cy="3692525"/>
           </a:xfrm>
           <a:prstGeom prst="rect">
             <a:avLst/>
@@ -13371,172 +12444,264 @@
           <a:p>
             <a:pPr algn="l"/>
             <a:r>
-              <a:rPr lang="en-US" sz="2000" b="1" dirty="0">
+              <a:rPr b="1" dirty="0">
                 <a:solidFill>
                   <a:srgbClr val="FFC000"/>
                 </a:solidFill>
-                <a:latin typeface="微软雅黑" panose="020B0503020204020204" pitchFamily="34" charset="-122"/>
-                <a:ea typeface="微软雅黑" panose="020B0503020204020204" pitchFamily="34" charset="-122"/>
+                <a:latin typeface="华文楷体" panose="02010600040101010101" charset="-122"/>
+                <a:ea typeface="华文楷体" panose="02010600040101010101" charset="-122"/>
                 <a:cs typeface="华文楷体" panose="02010600040101010101" charset="-122"/>
               </a:rPr>
-              <a:t>&lt;input type=”text” name=”name”/&gt;</a:t>
-            </a:r>
-            <a:endParaRPr lang="en-US" sz="2000" b="1" dirty="0">
+              <a:t>opacity	规定元素的不透明级别。</a:t>
+            </a:r>
+            <a:endParaRPr b="1" dirty="0">
               <a:solidFill>
                 <a:srgbClr val="FFC000"/>
               </a:solidFill>
-              <a:latin typeface="微软雅黑" panose="020B0503020204020204" pitchFamily="34" charset="-122"/>
-              <a:ea typeface="微软雅黑" panose="020B0503020204020204" pitchFamily="34" charset="-122"/>
+              <a:latin typeface="华文楷体" panose="02010600040101010101" charset="-122"/>
+              <a:ea typeface="华文楷体" panose="02010600040101010101" charset="-122"/>
               <a:cs typeface="华文楷体" panose="02010600040101010101" charset="-122"/>
             </a:endParaRPr>
           </a:p>
           <a:p>
             <a:pPr algn="l"/>
-            <a:endParaRPr lang="en-US" sz="2000" b="1" dirty="0">
+            <a:r>
+              <a:rPr b="1" dirty="0">
+                <a:solidFill>
+                  <a:srgbClr val="FFC000"/>
+                </a:solidFill>
+                <a:latin typeface="华文楷体" panose="02010600040101010101" charset="-122"/>
+                <a:ea typeface="华文楷体" panose="02010600040101010101" charset="-122"/>
+                <a:cs typeface="华文楷体" panose="02010600040101010101" charset="-122"/>
+              </a:rPr>
+              <a:t>	background	在一个声明中设置所有的背景属性。	1-css版本</a:t>
+            </a:r>
+            <a:endParaRPr b="1" dirty="0">
               <a:solidFill>
                 <a:srgbClr val="FFC000"/>
               </a:solidFill>
-              <a:latin typeface="微软雅黑" panose="020B0503020204020204" pitchFamily="34" charset="-122"/>
-              <a:ea typeface="微软雅黑" panose="020B0503020204020204" pitchFamily="34" charset="-122"/>
+              <a:latin typeface="华文楷体" panose="02010600040101010101" charset="-122"/>
+              <a:ea typeface="华文楷体" panose="02010600040101010101" charset="-122"/>
               <a:cs typeface="华文楷体" panose="02010600040101010101" charset="-122"/>
             </a:endParaRPr>
           </a:p>
           <a:p>
             <a:pPr algn="l"/>
             <a:r>
-              <a:rPr lang="en-US" sz="2000" b="1" dirty="0">
+              <a:rPr b="1" dirty="0">
                 <a:solidFill>
                   <a:srgbClr val="FFC000"/>
                 </a:solidFill>
-                <a:latin typeface="微软雅黑" panose="020B0503020204020204" pitchFamily="34" charset="-122"/>
-                <a:ea typeface="微软雅黑" panose="020B0503020204020204" pitchFamily="34" charset="-122"/>
+                <a:latin typeface="华文楷体" panose="02010600040101010101" charset="-122"/>
+                <a:ea typeface="华文楷体" panose="02010600040101010101" charset="-122"/>
                 <a:cs typeface="华文楷体" panose="02010600040101010101" charset="-122"/>
-                <a:sym typeface="+mn-ea"/>
               </a:rPr>
-              <a:t>&lt;input type=”text” name=”name”/&gt;</a:t>
-            </a:r>
-            <a:endParaRPr lang="en-US" sz="2000" b="1" dirty="0">
+              <a:t>	background-color	设置元素的背景颜色。	1</a:t>
+            </a:r>
+            <a:endParaRPr b="1" dirty="0">
               <a:solidFill>
                 <a:srgbClr val="FFC000"/>
               </a:solidFill>
-              <a:latin typeface="微软雅黑" panose="020B0503020204020204" pitchFamily="34" charset="-122"/>
-              <a:ea typeface="微软雅黑" panose="020B0503020204020204" pitchFamily="34" charset="-122"/>
+              <a:latin typeface="华文楷体" panose="02010600040101010101" charset="-122"/>
+              <a:ea typeface="华文楷体" panose="02010600040101010101" charset="-122"/>
               <a:cs typeface="华文楷体" panose="02010600040101010101" charset="-122"/>
-              <a:sym typeface="+mn-ea"/>
             </a:endParaRPr>
           </a:p>
           <a:p>
             <a:pPr algn="l"/>
-            <a:endParaRPr lang="en-US" sz="2000" b="1" dirty="0">
+            <a:r>
+              <a:rPr b="1" dirty="0">
+                <a:solidFill>
+                  <a:srgbClr val="FFC000"/>
+                </a:solidFill>
+                <a:latin typeface="华文楷体" panose="02010600040101010101" charset="-122"/>
+                <a:ea typeface="华文楷体" panose="02010600040101010101" charset="-122"/>
+                <a:cs typeface="华文楷体" panose="02010600040101010101" charset="-122"/>
+              </a:rPr>
+              <a:t>	background-image	设置元素的背景图像。	1</a:t>
+            </a:r>
+            <a:endParaRPr b="1" dirty="0">
               <a:solidFill>
                 <a:srgbClr val="FFC000"/>
               </a:solidFill>
-              <a:latin typeface="微软雅黑" panose="020B0503020204020204" pitchFamily="34" charset="-122"/>
-              <a:ea typeface="微软雅黑" panose="020B0503020204020204" pitchFamily="34" charset="-122"/>
+              <a:latin typeface="华文楷体" panose="02010600040101010101" charset="-122"/>
+              <a:ea typeface="华文楷体" panose="02010600040101010101" charset="-122"/>
               <a:cs typeface="华文楷体" panose="02010600040101010101" charset="-122"/>
             </a:endParaRPr>
           </a:p>
           <a:p>
             <a:pPr algn="l"/>
             <a:r>
-              <a:rPr lang="en-US" sz="2000" b="1" dirty="0">
+              <a:rPr b="1" dirty="0">
                 <a:solidFill>
                   <a:srgbClr val="FFC000"/>
                 </a:solidFill>
-                <a:latin typeface="微软雅黑" panose="020B0503020204020204" pitchFamily="34" charset="-122"/>
-                <a:ea typeface="微软雅黑" panose="020B0503020204020204" pitchFamily="34" charset="-122"/>
+                <a:latin typeface="华文楷体" panose="02010600040101010101" charset="-122"/>
+                <a:ea typeface="华文楷体" panose="02010600040101010101" charset="-122"/>
                 <a:cs typeface="华文楷体" panose="02010600040101010101" charset="-122"/>
-                <a:sym typeface="+mn-ea"/>
               </a:rPr>
-              <a:t>&lt;input type=”text” name=”name”/&gt;</a:t>
-            </a:r>
-            <a:endParaRPr lang="en-US" sz="2000" b="1" dirty="0">
+              <a:t>	</a:t>
+            </a:r>
+            <a:endParaRPr b="1" dirty="0">
               <a:solidFill>
                 <a:srgbClr val="FFC000"/>
               </a:solidFill>
-              <a:latin typeface="微软雅黑" panose="020B0503020204020204" pitchFamily="34" charset="-122"/>
-              <a:ea typeface="微软雅黑" panose="020B0503020204020204" pitchFamily="34" charset="-122"/>
+              <a:latin typeface="华文楷体" panose="02010600040101010101" charset="-122"/>
+              <a:ea typeface="华文楷体" panose="02010600040101010101" charset="-122"/>
               <a:cs typeface="华文楷体" panose="02010600040101010101" charset="-122"/>
-              <a:sym typeface="+mn-ea"/>
             </a:endParaRPr>
           </a:p>
           <a:p>
             <a:pPr algn="l"/>
-            <a:endParaRPr lang="en-US" sz="2000" b="1" dirty="0">
+            <a:r>
+              <a:rPr b="1" dirty="0">
+                <a:solidFill>
+                  <a:srgbClr val="FFC000"/>
+                </a:solidFill>
+                <a:latin typeface="华文楷体" panose="02010600040101010101" charset="-122"/>
+                <a:ea typeface="华文楷体" panose="02010600040101010101" charset="-122"/>
+                <a:cs typeface="华文楷体" panose="02010600040101010101" charset="-122"/>
+              </a:rPr>
+              <a:t>	width: 宽</a:t>
+            </a:r>
+            <a:endParaRPr b="1" dirty="0">
               <a:solidFill>
                 <a:srgbClr val="FFC000"/>
               </a:solidFill>
-              <a:latin typeface="微软雅黑" panose="020B0503020204020204" pitchFamily="34" charset="-122"/>
-              <a:ea typeface="微软雅黑" panose="020B0503020204020204" pitchFamily="34" charset="-122"/>
+              <a:latin typeface="华文楷体" panose="02010600040101010101" charset="-122"/>
+              <a:ea typeface="华文楷体" panose="02010600040101010101" charset="-122"/>
               <a:cs typeface="华文楷体" panose="02010600040101010101" charset="-122"/>
             </a:endParaRPr>
           </a:p>
           <a:p>
             <a:pPr algn="l"/>
             <a:r>
-              <a:rPr lang="en-US" sz="2000" b="1" dirty="0">
+              <a:rPr b="1" dirty="0">
                 <a:solidFill>
                   <a:srgbClr val="FFC000"/>
                 </a:solidFill>
-                <a:latin typeface="微软雅黑" panose="020B0503020204020204" pitchFamily="34" charset="-122"/>
-                <a:ea typeface="微软雅黑" panose="020B0503020204020204" pitchFamily="34" charset="-122"/>
+                <a:latin typeface="华文楷体" panose="02010600040101010101" charset="-122"/>
+                <a:ea typeface="华文楷体" panose="02010600040101010101" charset="-122"/>
                 <a:cs typeface="华文楷体" panose="02010600040101010101" charset="-122"/>
-                <a:sym typeface="+mn-ea"/>
               </a:rPr>
-              <a:t>&lt;input type=”text” name=”name”/&gt;</a:t>
-            </a:r>
-            <a:endParaRPr lang="en-US" sz="2000" b="1" dirty="0">
+              <a:t>	height:长</a:t>
+            </a:r>
+            <a:endParaRPr b="1" dirty="0">
               <a:solidFill>
                 <a:srgbClr val="FFC000"/>
               </a:solidFill>
-              <a:latin typeface="微软雅黑" panose="020B0503020204020204" pitchFamily="34" charset="-122"/>
-              <a:ea typeface="微软雅黑" panose="020B0503020204020204" pitchFamily="34" charset="-122"/>
+              <a:latin typeface="华文楷体" panose="02010600040101010101" charset="-122"/>
+              <a:ea typeface="华文楷体" panose="02010600040101010101" charset="-122"/>
               <a:cs typeface="华文楷体" panose="02010600040101010101" charset="-122"/>
-              <a:sym typeface="+mn-ea"/>
             </a:endParaRPr>
           </a:p>
           <a:p>
             <a:pPr algn="l"/>
-            <a:endParaRPr lang="en-US" sz="2000" b="1" dirty="0">
+            <a:r>
+              <a:rPr b="1" dirty="0">
+                <a:solidFill>
+                  <a:srgbClr val="FFC000"/>
+                </a:solidFill>
+                <a:latin typeface="华文楷体" panose="02010600040101010101" charset="-122"/>
+                <a:ea typeface="华文楷体" panose="02010600040101010101" charset="-122"/>
+                <a:cs typeface="华文楷体" panose="02010600040101010101" charset="-122"/>
+              </a:rPr>
+              <a:t>	</a:t>
+            </a:r>
+            <a:endParaRPr b="1" dirty="0">
               <a:solidFill>
                 <a:srgbClr val="FFC000"/>
               </a:solidFill>
-              <a:latin typeface="微软雅黑" panose="020B0503020204020204" pitchFamily="34" charset="-122"/>
-              <a:ea typeface="微软雅黑" panose="020B0503020204020204" pitchFamily="34" charset="-122"/>
+              <a:latin typeface="华文楷体" panose="02010600040101010101" charset="-122"/>
+              <a:ea typeface="华文楷体" panose="02010600040101010101" charset="-122"/>
               <a:cs typeface="华文楷体" panose="02010600040101010101" charset="-122"/>
             </a:endParaRPr>
           </a:p>
           <a:p>
             <a:pPr algn="l"/>
             <a:r>
-              <a:rPr lang="en-US" sz="2000" b="1" dirty="0">
+              <a:rPr b="1" dirty="0">
                 <a:solidFill>
                   <a:srgbClr val="FFC000"/>
                 </a:solidFill>
-                <a:latin typeface="微软雅黑" panose="020B0503020204020204" pitchFamily="34" charset="-122"/>
-                <a:ea typeface="微软雅黑" panose="020B0503020204020204" pitchFamily="34" charset="-122"/>
+                <a:latin typeface="华文楷体" panose="02010600040101010101" charset="-122"/>
+                <a:ea typeface="华文楷体" panose="02010600040101010101" charset="-122"/>
                 <a:cs typeface="华文楷体" panose="02010600040101010101" charset="-122"/>
-                <a:sym typeface="+mn-ea"/>
               </a:rPr>
-              <a:t>&lt;input type=”text” name=”name”/&gt;</a:t>
-            </a:r>
-            <a:endParaRPr lang="en-US" sz="2000" b="1" dirty="0">
+              <a:t>	top</a:t>
+            </a:r>
+            <a:endParaRPr b="1" dirty="0">
               <a:solidFill>
                 <a:srgbClr val="FFC000"/>
               </a:solidFill>
-              <a:latin typeface="微软雅黑" panose="020B0503020204020204" pitchFamily="34" charset="-122"/>
-              <a:ea typeface="微软雅黑" panose="020B0503020204020204" pitchFamily="34" charset="-122"/>
+              <a:latin typeface="华文楷体" panose="02010600040101010101" charset="-122"/>
+              <a:ea typeface="华文楷体" panose="02010600040101010101" charset="-122"/>
               <a:cs typeface="华文楷体" panose="02010600040101010101" charset="-122"/>
             </a:endParaRPr>
           </a:p>
           <a:p>
             <a:pPr algn="l"/>
-            <a:endParaRPr lang="en-US" sz="2000" b="1" dirty="0">
+            <a:r>
+              <a:rPr b="1" dirty="0">
+                <a:solidFill>
+                  <a:srgbClr val="FFC000"/>
+                </a:solidFill>
+                <a:latin typeface="华文楷体" panose="02010600040101010101" charset="-122"/>
+                <a:ea typeface="华文楷体" panose="02010600040101010101" charset="-122"/>
+                <a:cs typeface="华文楷体" panose="02010600040101010101" charset="-122"/>
+              </a:rPr>
+              <a:t>	bottom</a:t>
+            </a:r>
+            <a:endParaRPr b="1" dirty="0">
               <a:solidFill>
                 <a:srgbClr val="FFC000"/>
               </a:solidFill>
-              <a:latin typeface="微软雅黑" panose="020B0503020204020204" pitchFamily="34" charset="-122"/>
-              <a:ea typeface="微软雅黑" panose="020B0503020204020204" pitchFamily="34" charset="-122"/>
+              <a:latin typeface="华文楷体" panose="02010600040101010101" charset="-122"/>
+              <a:ea typeface="华文楷体" panose="02010600040101010101" charset="-122"/>
+              <a:cs typeface="华文楷体" panose="02010600040101010101" charset="-122"/>
+            </a:endParaRPr>
+          </a:p>
+          <a:p>
+            <a:pPr algn="l"/>
+            <a:r>
+              <a:rPr b="1" dirty="0">
+                <a:solidFill>
+                  <a:srgbClr val="FFC000"/>
+                </a:solidFill>
+                <a:latin typeface="华文楷体" panose="02010600040101010101" charset="-122"/>
+                <a:ea typeface="华文楷体" panose="02010600040101010101" charset="-122"/>
+                <a:cs typeface="华文楷体" panose="02010600040101010101" charset="-122"/>
+              </a:rPr>
+              <a:t>	left</a:t>
+            </a:r>
+            <a:endParaRPr b="1" dirty="0">
+              <a:solidFill>
+                <a:srgbClr val="FFC000"/>
+              </a:solidFill>
+              <a:latin typeface="华文楷体" panose="02010600040101010101" charset="-122"/>
+              <a:ea typeface="华文楷体" panose="02010600040101010101" charset="-122"/>
+              <a:cs typeface="华文楷体" panose="02010600040101010101" charset="-122"/>
+            </a:endParaRPr>
+          </a:p>
+          <a:p>
+            <a:pPr algn="l"/>
+            <a:r>
+              <a:rPr b="1" dirty="0">
+                <a:solidFill>
+                  <a:srgbClr val="FFC000"/>
+                </a:solidFill>
+                <a:latin typeface="华文楷体" panose="02010600040101010101" charset="-122"/>
+                <a:ea typeface="华文楷体" panose="02010600040101010101" charset="-122"/>
+                <a:cs typeface="华文楷体" panose="02010600040101010101" charset="-122"/>
+              </a:rPr>
+              <a:t>	right</a:t>
+            </a:r>
+            <a:endParaRPr b="1" dirty="0">
+              <a:solidFill>
+                <a:srgbClr val="FFC000"/>
+              </a:solidFill>
+              <a:latin typeface="华文楷体" panose="02010600040101010101" charset="-122"/>
+              <a:ea typeface="华文楷体" panose="02010600040101010101" charset="-122"/>
               <a:cs typeface="华文楷体" panose="02010600040101010101" charset="-122"/>
             </a:endParaRPr>
           </a:p>
@@ -13795,24 +12960,16 @@
           <a:p>
             <a:pPr algn="ctr"/>
             <a:r>
-              <a:rPr lang="en-US" altLang="zh-CN" sz="2800" b="1" dirty="0">
+              <a:rPr lang="en-US" sz="2800" b="1" dirty="0">
                 <a:solidFill>
                   <a:srgbClr val="FFC000"/>
                 </a:solidFill>
-                <a:latin typeface="仿宋" panose="02010609060101010101" pitchFamily="49" charset="-122"/>
-                <a:ea typeface="仿宋" panose="02010609060101010101" pitchFamily="49" charset="-122"/>
+                <a:latin typeface="微软雅黑" panose="020B0503020204020204" pitchFamily="34" charset="-122"/>
+                <a:ea typeface="微软雅黑" panose="020B0503020204020204" pitchFamily="34" charset="-122"/>
+                <a:cs typeface="华文楷体" panose="02010600040101010101" charset="-122"/>
+                <a:sym typeface="+mn-ea"/>
               </a:rPr>
-              <a:t>Input</a:t>
-            </a:r>
-            <a:r>
-              <a:rPr lang="zh-CN" altLang="en-US" sz="2800" b="1" dirty="0">
-                <a:solidFill>
-                  <a:srgbClr val="FFC000"/>
-                </a:solidFill>
-                <a:latin typeface="仿宋" panose="02010609060101010101" pitchFamily="49" charset="-122"/>
-                <a:ea typeface="仿宋" panose="02010609060101010101" pitchFamily="49" charset="-122"/>
-              </a:rPr>
-              <a:t>标签介绍</a:t>
+              <a:t>盒子模型 </a:t>
             </a:r>
             <a:endParaRPr lang="zh-CN" altLang="en-US" sz="2800" b="1" dirty="0">
               <a:solidFill>
@@ -13833,7 +12990,7 @@
         <p:spPr>
           <a:xfrm>
             <a:off x="1545590" y="1526540"/>
-            <a:ext cx="6863715" cy="3169285"/>
+            <a:ext cx="6863715" cy="398780"/>
           </a:xfrm>
           <a:prstGeom prst="rect">
             <a:avLst/>
@@ -13856,158 +13013,8 @@
                 <a:ea typeface="微软雅黑" panose="020B0503020204020204" pitchFamily="34" charset="-122"/>
                 <a:cs typeface="华文楷体" panose="02010600040101010101" charset="-122"/>
               </a:rPr>
-              <a:t>&lt;input type=”text” name=”name”/&gt;</a:t>
-            </a:r>
-            <a:endParaRPr lang="en-US" sz="2000" b="1" dirty="0">
-              <a:solidFill>
-                <a:srgbClr val="FFC000"/>
-              </a:solidFill>
-              <a:latin typeface="微软雅黑" panose="020B0503020204020204" pitchFamily="34" charset="-122"/>
-              <a:ea typeface="微软雅黑" panose="020B0503020204020204" pitchFamily="34" charset="-122"/>
-              <a:cs typeface="华文楷体" panose="02010600040101010101" charset="-122"/>
-            </a:endParaRPr>
-          </a:p>
-          <a:p>
-            <a:pPr algn="l"/>
-            <a:endParaRPr lang="en-US" sz="2000" b="1" dirty="0">
-              <a:solidFill>
-                <a:srgbClr val="FFC000"/>
-              </a:solidFill>
-              <a:latin typeface="微软雅黑" panose="020B0503020204020204" pitchFamily="34" charset="-122"/>
-              <a:ea typeface="微软雅黑" panose="020B0503020204020204" pitchFamily="34" charset="-122"/>
-              <a:cs typeface="华文楷体" panose="02010600040101010101" charset="-122"/>
-            </a:endParaRPr>
-          </a:p>
-          <a:p>
-            <a:pPr algn="l"/>
-            <a:r>
-              <a:rPr lang="en-US" sz="2000" b="1" dirty="0">
-                <a:solidFill>
-                  <a:srgbClr val="FFC000"/>
-                </a:solidFill>
-                <a:latin typeface="微软雅黑" panose="020B0503020204020204" pitchFamily="34" charset="-122"/>
-                <a:ea typeface="微软雅黑" panose="020B0503020204020204" pitchFamily="34" charset="-122"/>
-                <a:cs typeface="华文楷体" panose="02010600040101010101" charset="-122"/>
-                <a:sym typeface="+mn-ea"/>
-              </a:rPr>
-              <a:t>&lt;input type=”text” name=”name”/&gt;</a:t>
-            </a:r>
-            <a:endParaRPr lang="en-US" sz="2000" b="1" dirty="0">
-              <a:solidFill>
-                <a:srgbClr val="FFC000"/>
-              </a:solidFill>
-              <a:latin typeface="微软雅黑" panose="020B0503020204020204" pitchFamily="34" charset="-122"/>
-              <a:ea typeface="微软雅黑" panose="020B0503020204020204" pitchFamily="34" charset="-122"/>
-              <a:cs typeface="华文楷体" panose="02010600040101010101" charset="-122"/>
-              <a:sym typeface="+mn-ea"/>
-            </a:endParaRPr>
-          </a:p>
-          <a:p>
-            <a:pPr algn="l"/>
-            <a:endParaRPr lang="en-US" sz="2000" b="1" dirty="0">
-              <a:solidFill>
-                <a:srgbClr val="FFC000"/>
-              </a:solidFill>
-              <a:latin typeface="微软雅黑" panose="020B0503020204020204" pitchFamily="34" charset="-122"/>
-              <a:ea typeface="微软雅黑" panose="020B0503020204020204" pitchFamily="34" charset="-122"/>
-              <a:cs typeface="华文楷体" panose="02010600040101010101" charset="-122"/>
-            </a:endParaRPr>
-          </a:p>
-          <a:p>
-            <a:pPr algn="l"/>
-            <a:r>
-              <a:rPr lang="en-US" sz="2000" b="1" dirty="0">
-                <a:solidFill>
-                  <a:srgbClr val="FFC000"/>
-                </a:solidFill>
-                <a:latin typeface="微软雅黑" panose="020B0503020204020204" pitchFamily="34" charset="-122"/>
-                <a:ea typeface="微软雅黑" panose="020B0503020204020204" pitchFamily="34" charset="-122"/>
-                <a:cs typeface="华文楷体" panose="02010600040101010101" charset="-122"/>
-                <a:sym typeface="+mn-ea"/>
-              </a:rPr>
-              <a:t>&lt;input type=”text” name=”name”/&gt;</a:t>
-            </a:r>
-            <a:endParaRPr lang="en-US" sz="2000" b="1" dirty="0">
-              <a:solidFill>
-                <a:srgbClr val="FFC000"/>
-              </a:solidFill>
-              <a:latin typeface="微软雅黑" panose="020B0503020204020204" pitchFamily="34" charset="-122"/>
-              <a:ea typeface="微软雅黑" panose="020B0503020204020204" pitchFamily="34" charset="-122"/>
-              <a:cs typeface="华文楷体" panose="02010600040101010101" charset="-122"/>
-              <a:sym typeface="+mn-ea"/>
-            </a:endParaRPr>
-          </a:p>
-          <a:p>
-            <a:pPr algn="l"/>
-            <a:endParaRPr lang="en-US" sz="2000" b="1" dirty="0">
-              <a:solidFill>
-                <a:srgbClr val="FFC000"/>
-              </a:solidFill>
-              <a:latin typeface="微软雅黑" panose="020B0503020204020204" pitchFamily="34" charset="-122"/>
-              <a:ea typeface="微软雅黑" panose="020B0503020204020204" pitchFamily="34" charset="-122"/>
-              <a:cs typeface="华文楷体" panose="02010600040101010101" charset="-122"/>
-            </a:endParaRPr>
-          </a:p>
-          <a:p>
-            <a:pPr algn="l"/>
-            <a:r>
-              <a:rPr lang="en-US" sz="2000" b="1" dirty="0">
-                <a:solidFill>
-                  <a:srgbClr val="FFC000"/>
-                </a:solidFill>
-                <a:latin typeface="微软雅黑" panose="020B0503020204020204" pitchFamily="34" charset="-122"/>
-                <a:ea typeface="微软雅黑" panose="020B0503020204020204" pitchFamily="34" charset="-122"/>
-                <a:cs typeface="华文楷体" panose="02010600040101010101" charset="-122"/>
-                <a:sym typeface="+mn-ea"/>
-              </a:rPr>
-              <a:t>&lt;input type=”text” name=”name”/&gt;</a:t>
-            </a:r>
-            <a:endParaRPr lang="en-US" sz="2000" b="1" dirty="0">
-              <a:solidFill>
-                <a:srgbClr val="FFC000"/>
-              </a:solidFill>
-              <a:latin typeface="微软雅黑" panose="020B0503020204020204" pitchFamily="34" charset="-122"/>
-              <a:ea typeface="微软雅黑" panose="020B0503020204020204" pitchFamily="34" charset="-122"/>
-              <a:cs typeface="华文楷体" panose="02010600040101010101" charset="-122"/>
-              <a:sym typeface="+mn-ea"/>
-            </a:endParaRPr>
-          </a:p>
-          <a:p>
-            <a:pPr algn="l"/>
-            <a:endParaRPr lang="en-US" sz="2000" b="1" dirty="0">
-              <a:solidFill>
-                <a:srgbClr val="FFC000"/>
-              </a:solidFill>
-              <a:latin typeface="微软雅黑" panose="020B0503020204020204" pitchFamily="34" charset="-122"/>
-              <a:ea typeface="微软雅黑" panose="020B0503020204020204" pitchFamily="34" charset="-122"/>
-              <a:cs typeface="华文楷体" panose="02010600040101010101" charset="-122"/>
-            </a:endParaRPr>
-          </a:p>
-          <a:p>
-            <a:pPr algn="l"/>
-            <a:r>
-              <a:rPr lang="en-US" sz="2000" b="1" dirty="0">
-                <a:solidFill>
-                  <a:srgbClr val="FFC000"/>
-                </a:solidFill>
-                <a:latin typeface="微软雅黑" panose="020B0503020204020204" pitchFamily="34" charset="-122"/>
-                <a:ea typeface="微软雅黑" panose="020B0503020204020204" pitchFamily="34" charset="-122"/>
-                <a:cs typeface="华文楷体" panose="02010600040101010101" charset="-122"/>
-                <a:sym typeface="+mn-ea"/>
-              </a:rPr>
-              <a:t>&lt;input type=”text” name=”name”/&gt;</a:t>
-            </a:r>
-            <a:endParaRPr lang="en-US" sz="2000" b="1" dirty="0">
-              <a:solidFill>
-                <a:srgbClr val="FFC000"/>
-              </a:solidFill>
-              <a:latin typeface="微软雅黑" panose="020B0503020204020204" pitchFamily="34" charset="-122"/>
-              <a:ea typeface="微软雅黑" panose="020B0503020204020204" pitchFamily="34" charset="-122"/>
-              <a:cs typeface="华文楷体" panose="02010600040101010101" charset="-122"/>
-            </a:endParaRPr>
-          </a:p>
-          <a:p>
-            <a:pPr algn="l"/>
+              <a:t>margin-border-padding</a:t>
+            </a:r>
             <a:endParaRPr lang="en-US" sz="2000" b="1" dirty="0">
               <a:solidFill>
                 <a:srgbClr val="FFC000"/>
@@ -14272,24 +13279,14 @@
           <a:p>
             <a:pPr algn="ctr"/>
             <a:r>
-              <a:rPr lang="en-US" altLang="zh-CN" sz="2800" b="1" dirty="0">
+              <a:rPr lang="zh-CN" altLang="en-US" sz="2800" b="1" dirty="0">
                 <a:solidFill>
                   <a:srgbClr val="FFC000"/>
                 </a:solidFill>
                 <a:latin typeface="仿宋" panose="02010609060101010101" pitchFamily="49" charset="-122"/>
                 <a:ea typeface="仿宋" panose="02010609060101010101" pitchFamily="49" charset="-122"/>
               </a:rPr>
-              <a:t>button</a:t>
-            </a:r>
-            <a:r>
-              <a:rPr lang="zh-CN" altLang="en-US" sz="2800" b="1" dirty="0">
-                <a:solidFill>
-                  <a:srgbClr val="FFC000"/>
-                </a:solidFill>
-                <a:latin typeface="仿宋" panose="02010609060101010101" pitchFamily="49" charset="-122"/>
-                <a:ea typeface="仿宋" panose="02010609060101010101" pitchFamily="49" charset="-122"/>
-              </a:rPr>
-              <a:t>标签介绍</a:t>
+              <a:t>边框</a:t>
             </a:r>
             <a:endParaRPr lang="zh-CN" altLang="en-US" sz="2800" b="1" dirty="0">
               <a:solidFill>
@@ -14310,7 +13307,7 @@
         <p:spPr>
           <a:xfrm>
             <a:off x="1545590" y="1526540"/>
-            <a:ext cx="6863715" cy="3169285"/>
+            <a:ext cx="6863715" cy="2553335"/>
           </a:xfrm>
           <a:prstGeom prst="rect">
             <a:avLst/>
@@ -14325,7 +13322,7 @@
           <a:p>
             <a:pPr algn="l"/>
             <a:r>
-              <a:rPr lang="en-US" sz="2000" b="1" dirty="0">
+              <a:rPr lang="en-US" sz="1000" b="1" dirty="0">
                 <a:solidFill>
                   <a:srgbClr val="FFC000"/>
                 </a:solidFill>
@@ -14333,9 +13330,9 @@
                 <a:ea typeface="微软雅黑" panose="020B0503020204020204" pitchFamily="34" charset="-122"/>
                 <a:cs typeface="华文楷体" panose="02010600040101010101" charset="-122"/>
               </a:rPr>
-              <a:t>&lt;input type=”text” name=”name”/&gt;</a:t>
-            </a:r>
-            <a:endParaRPr lang="en-US" sz="2000" b="1" dirty="0">
+              <a:t>cursor:pointer;help;copy;改变鼠标样式</a:t>
+            </a:r>
+            <a:endParaRPr lang="en-US" sz="1000" b="1" dirty="0">
               <a:solidFill>
                 <a:srgbClr val="FFC000"/>
               </a:solidFill>
@@ -14346,7 +13343,18 @@
           </a:p>
           <a:p>
             <a:pPr algn="l"/>
-            <a:endParaRPr lang="en-US" sz="2000" b="1" dirty="0">
+            <a:r>
+              <a:rPr lang="en-US" sz="1000" b="1" dirty="0">
+                <a:solidFill>
+                  <a:srgbClr val="FFC000"/>
+                </a:solidFill>
+                <a:latin typeface="微软雅黑" panose="020B0503020204020204" pitchFamily="34" charset="-122"/>
+                <a:ea typeface="微软雅黑" panose="020B0503020204020204" pitchFamily="34" charset="-122"/>
+                <a:cs typeface="华文楷体" panose="02010600040101010101" charset="-122"/>
+              </a:rPr>
+              <a:t>	</a:t>
+            </a:r>
+            <a:endParaRPr lang="en-US" sz="1000" b="1" dirty="0">
               <a:solidFill>
                 <a:srgbClr val="FFC000"/>
               </a:solidFill>
@@ -14358,30 +13366,17 @@
           <a:p>
             <a:pPr algn="l"/>
             <a:r>
-              <a:rPr lang="en-US" sz="2000" b="1" dirty="0">
+              <a:rPr lang="en-US" sz="1000" b="1" dirty="0">
                 <a:solidFill>
                   <a:srgbClr val="FFC000"/>
                 </a:solidFill>
                 <a:latin typeface="微软雅黑" panose="020B0503020204020204" pitchFamily="34" charset="-122"/>
                 <a:ea typeface="微软雅黑" panose="020B0503020204020204" pitchFamily="34" charset="-122"/>
                 <a:cs typeface="华文楷体" panose="02010600040101010101" charset="-122"/>
-                <a:sym typeface="+mn-ea"/>
               </a:rPr>
-              <a:t>&lt;input type=”text” name=”name”/&gt;</a:t>
-            </a:r>
-            <a:endParaRPr lang="en-US" sz="2000" b="1" dirty="0">
-              <a:solidFill>
-                <a:srgbClr val="FFC000"/>
-              </a:solidFill>
-              <a:latin typeface="微软雅黑" panose="020B0503020204020204" pitchFamily="34" charset="-122"/>
-              <a:ea typeface="微软雅黑" panose="020B0503020204020204" pitchFamily="34" charset="-122"/>
-              <a:cs typeface="华文楷体" panose="02010600040101010101" charset="-122"/>
-              <a:sym typeface="+mn-ea"/>
-            </a:endParaRPr>
-          </a:p>
-          <a:p>
-            <a:pPr algn="l"/>
-            <a:endParaRPr lang="en-US" sz="2000" b="1" dirty="0">
+              <a:t>	</a:t>
+            </a:r>
+            <a:endParaRPr lang="en-US" sz="1000" b="1" dirty="0">
               <a:solidFill>
                 <a:srgbClr val="FFC000"/>
               </a:solidFill>
@@ -14393,30 +13388,17 @@
           <a:p>
             <a:pPr algn="l"/>
             <a:r>
-              <a:rPr lang="en-US" sz="2000" b="1" dirty="0">
+              <a:rPr lang="en-US" sz="1000" b="1" dirty="0">
                 <a:solidFill>
                   <a:srgbClr val="FFC000"/>
                 </a:solidFill>
                 <a:latin typeface="微软雅黑" panose="020B0503020204020204" pitchFamily="34" charset="-122"/>
                 <a:ea typeface="微软雅黑" panose="020B0503020204020204" pitchFamily="34" charset="-122"/>
                 <a:cs typeface="华文楷体" panose="02010600040101010101" charset="-122"/>
-                <a:sym typeface="+mn-ea"/>
               </a:rPr>
-              <a:t>&lt;input type=”text” name=”name”/&gt;</a:t>
-            </a:r>
-            <a:endParaRPr lang="en-US" sz="2000" b="1" dirty="0">
-              <a:solidFill>
-                <a:srgbClr val="FFC000"/>
-              </a:solidFill>
-              <a:latin typeface="微软雅黑" panose="020B0503020204020204" pitchFamily="34" charset="-122"/>
-              <a:ea typeface="微软雅黑" panose="020B0503020204020204" pitchFamily="34" charset="-122"/>
-              <a:cs typeface="华文楷体" panose="02010600040101010101" charset="-122"/>
-              <a:sym typeface="+mn-ea"/>
-            </a:endParaRPr>
-          </a:p>
-          <a:p>
-            <a:pPr algn="l"/>
-            <a:endParaRPr lang="en-US" sz="2000" b="1" dirty="0">
+              <a:t>	border	在一个声明中设置所有的边框属性。	1</a:t>
+            </a:r>
+            <a:endParaRPr lang="en-US" sz="1000" b="1" dirty="0">
               <a:solidFill>
                 <a:srgbClr val="FFC000"/>
               </a:solidFill>
@@ -14428,30 +13410,17 @@
           <a:p>
             <a:pPr algn="l"/>
             <a:r>
-              <a:rPr lang="en-US" sz="2000" b="1" dirty="0">
+              <a:rPr lang="en-US" sz="1000" b="1" dirty="0">
                 <a:solidFill>
                   <a:srgbClr val="FFC000"/>
                 </a:solidFill>
                 <a:latin typeface="微软雅黑" panose="020B0503020204020204" pitchFamily="34" charset="-122"/>
                 <a:ea typeface="微软雅黑" panose="020B0503020204020204" pitchFamily="34" charset="-122"/>
                 <a:cs typeface="华文楷体" panose="02010600040101010101" charset="-122"/>
-                <a:sym typeface="+mn-ea"/>
               </a:rPr>
-              <a:t>&lt;input type=”text” name=”name”/&gt;</a:t>
-            </a:r>
-            <a:endParaRPr lang="en-US" sz="2000" b="1" dirty="0">
-              <a:solidFill>
-                <a:srgbClr val="FFC000"/>
-              </a:solidFill>
-              <a:latin typeface="微软雅黑" panose="020B0503020204020204" pitchFamily="34" charset="-122"/>
-              <a:ea typeface="微软雅黑" panose="020B0503020204020204" pitchFamily="34" charset="-122"/>
-              <a:cs typeface="华文楷体" panose="02010600040101010101" charset="-122"/>
-              <a:sym typeface="+mn-ea"/>
-            </a:endParaRPr>
-          </a:p>
-          <a:p>
-            <a:pPr algn="l"/>
-            <a:endParaRPr lang="en-US" sz="2000" b="1" dirty="0">
+              <a:t>	border-bottom	在一个声明中设置所有的下边框属性。	1</a:t>
+            </a:r>
+            <a:endParaRPr lang="en-US" sz="1000" b="1" dirty="0">
               <a:solidFill>
                 <a:srgbClr val="FFC000"/>
               </a:solidFill>
@@ -14463,18 +13432,17 @@
           <a:p>
             <a:pPr algn="l"/>
             <a:r>
-              <a:rPr lang="en-US" sz="2000" b="1" dirty="0">
+              <a:rPr lang="en-US" sz="1000" b="1" dirty="0">
                 <a:solidFill>
                   <a:srgbClr val="FFC000"/>
                 </a:solidFill>
                 <a:latin typeface="微软雅黑" panose="020B0503020204020204" pitchFamily="34" charset="-122"/>
                 <a:ea typeface="微软雅黑" panose="020B0503020204020204" pitchFamily="34" charset="-122"/>
                 <a:cs typeface="华文楷体" panose="02010600040101010101" charset="-122"/>
-                <a:sym typeface="+mn-ea"/>
               </a:rPr>
-              <a:t>&lt;input type=”text” name=”name”/&gt;</a:t>
-            </a:r>
-            <a:endParaRPr lang="en-US" sz="2000" b="1" dirty="0">
+              <a:t>	border-bottom-color	设置下边框的颜色。	2</a:t>
+            </a:r>
+            <a:endParaRPr lang="en-US" sz="1000" b="1" dirty="0">
               <a:solidFill>
                 <a:srgbClr val="FFC000"/>
               </a:solidFill>
@@ -14485,7 +13453,216 @@
           </a:p>
           <a:p>
             <a:pPr algn="l"/>
-            <a:endParaRPr lang="en-US" sz="2000" b="1" dirty="0">
+            <a:r>
+              <a:rPr lang="en-US" sz="1000" b="1" dirty="0">
+                <a:solidFill>
+                  <a:srgbClr val="FFC000"/>
+                </a:solidFill>
+                <a:latin typeface="微软雅黑" panose="020B0503020204020204" pitchFamily="34" charset="-122"/>
+                <a:ea typeface="微软雅黑" panose="020B0503020204020204" pitchFamily="34" charset="-122"/>
+                <a:cs typeface="华文楷体" panose="02010600040101010101" charset="-122"/>
+              </a:rPr>
+              <a:t>	border-bottom-style	设置下边框的样式。	2</a:t>
+            </a:r>
+            <a:endParaRPr lang="en-US" sz="1000" b="1" dirty="0">
+              <a:solidFill>
+                <a:srgbClr val="FFC000"/>
+              </a:solidFill>
+              <a:latin typeface="微软雅黑" panose="020B0503020204020204" pitchFamily="34" charset="-122"/>
+              <a:ea typeface="微软雅黑" panose="020B0503020204020204" pitchFamily="34" charset="-122"/>
+              <a:cs typeface="华文楷体" panose="02010600040101010101" charset="-122"/>
+            </a:endParaRPr>
+          </a:p>
+          <a:p>
+            <a:pPr algn="l"/>
+            <a:r>
+              <a:rPr lang="en-US" sz="1000" b="1" dirty="0">
+                <a:solidFill>
+                  <a:srgbClr val="FFC000"/>
+                </a:solidFill>
+                <a:latin typeface="微软雅黑" panose="020B0503020204020204" pitchFamily="34" charset="-122"/>
+                <a:ea typeface="微软雅黑" panose="020B0503020204020204" pitchFamily="34" charset="-122"/>
+                <a:cs typeface="华文楷体" panose="02010600040101010101" charset="-122"/>
+              </a:rPr>
+              <a:t>	border-bottom-width	设置下边框的宽度。	1</a:t>
+            </a:r>
+            <a:endParaRPr lang="en-US" sz="1000" b="1" dirty="0">
+              <a:solidFill>
+                <a:srgbClr val="FFC000"/>
+              </a:solidFill>
+              <a:latin typeface="微软雅黑" panose="020B0503020204020204" pitchFamily="34" charset="-122"/>
+              <a:ea typeface="微软雅黑" panose="020B0503020204020204" pitchFamily="34" charset="-122"/>
+              <a:cs typeface="华文楷体" panose="02010600040101010101" charset="-122"/>
+            </a:endParaRPr>
+          </a:p>
+          <a:p>
+            <a:pPr algn="l"/>
+            <a:r>
+              <a:rPr lang="en-US" sz="1000" b="1" dirty="0">
+                <a:solidFill>
+                  <a:srgbClr val="FFC000"/>
+                </a:solidFill>
+                <a:latin typeface="微软雅黑" panose="020B0503020204020204" pitchFamily="34" charset="-122"/>
+                <a:ea typeface="微软雅黑" panose="020B0503020204020204" pitchFamily="34" charset="-122"/>
+                <a:cs typeface="华文楷体" panose="02010600040101010101" charset="-122"/>
+              </a:rPr>
+              <a:t>	border-color	设置四条边框的颜色。	1</a:t>
+            </a:r>
+            <a:endParaRPr lang="en-US" sz="1000" b="1" dirty="0">
+              <a:solidFill>
+                <a:srgbClr val="FFC000"/>
+              </a:solidFill>
+              <a:latin typeface="微软雅黑" panose="020B0503020204020204" pitchFamily="34" charset="-122"/>
+              <a:ea typeface="微软雅黑" panose="020B0503020204020204" pitchFamily="34" charset="-122"/>
+              <a:cs typeface="华文楷体" panose="02010600040101010101" charset="-122"/>
+            </a:endParaRPr>
+          </a:p>
+          <a:p>
+            <a:pPr algn="l"/>
+            <a:r>
+              <a:rPr lang="en-US" sz="1000" b="1" dirty="0">
+                <a:solidFill>
+                  <a:srgbClr val="FFC000"/>
+                </a:solidFill>
+                <a:latin typeface="微软雅黑" panose="020B0503020204020204" pitchFamily="34" charset="-122"/>
+                <a:ea typeface="微软雅黑" panose="020B0503020204020204" pitchFamily="34" charset="-122"/>
+                <a:cs typeface="华文楷体" panose="02010600040101010101" charset="-122"/>
+              </a:rPr>
+              <a:t>		1</a:t>
+            </a:r>
+            <a:endParaRPr lang="en-US" sz="1000" b="1" dirty="0">
+              <a:solidFill>
+                <a:srgbClr val="FFC000"/>
+              </a:solidFill>
+              <a:latin typeface="微软雅黑" panose="020B0503020204020204" pitchFamily="34" charset="-122"/>
+              <a:ea typeface="微软雅黑" panose="020B0503020204020204" pitchFamily="34" charset="-122"/>
+              <a:cs typeface="华文楷体" panose="02010600040101010101" charset="-122"/>
+            </a:endParaRPr>
+          </a:p>
+          <a:p>
+            <a:pPr algn="l"/>
+            <a:r>
+              <a:rPr lang="en-US" sz="1000" b="1" dirty="0">
+                <a:solidFill>
+                  <a:srgbClr val="FFC000"/>
+                </a:solidFill>
+                <a:latin typeface="微软雅黑" panose="020B0503020204020204" pitchFamily="34" charset="-122"/>
+                <a:ea typeface="微软雅黑" panose="020B0503020204020204" pitchFamily="34" charset="-122"/>
+                <a:cs typeface="华文楷体" panose="02010600040101010101" charset="-122"/>
+              </a:rPr>
+              <a:t>	border-style	设置四条边框的样式。	1</a:t>
+            </a:r>
+            <a:endParaRPr lang="en-US" sz="1000" b="1" dirty="0">
+              <a:solidFill>
+                <a:srgbClr val="FFC000"/>
+              </a:solidFill>
+              <a:latin typeface="微软雅黑" panose="020B0503020204020204" pitchFamily="34" charset="-122"/>
+              <a:ea typeface="微软雅黑" panose="020B0503020204020204" pitchFamily="34" charset="-122"/>
+              <a:cs typeface="华文楷体" panose="02010600040101010101" charset="-122"/>
+            </a:endParaRPr>
+          </a:p>
+          <a:p>
+            <a:pPr algn="l"/>
+            <a:r>
+              <a:rPr lang="en-US" sz="1000" b="1" dirty="0">
+                <a:solidFill>
+                  <a:srgbClr val="FFC000"/>
+                </a:solidFill>
+                <a:latin typeface="微软雅黑" panose="020B0503020204020204" pitchFamily="34" charset="-122"/>
+                <a:ea typeface="微软雅黑" panose="020B0503020204020204" pitchFamily="34" charset="-122"/>
+                <a:cs typeface="华文楷体" panose="02010600040101010101" charset="-122"/>
+              </a:rPr>
+              <a:t>	border-top	在一个声明中设置所有的上边框属性。	1</a:t>
+            </a:r>
+            <a:endParaRPr lang="en-US" sz="1000" b="1" dirty="0">
+              <a:solidFill>
+                <a:srgbClr val="FFC000"/>
+              </a:solidFill>
+              <a:latin typeface="微软雅黑" panose="020B0503020204020204" pitchFamily="34" charset="-122"/>
+              <a:ea typeface="微软雅黑" panose="020B0503020204020204" pitchFamily="34" charset="-122"/>
+              <a:cs typeface="华文楷体" panose="02010600040101010101" charset="-122"/>
+            </a:endParaRPr>
+          </a:p>
+          <a:p>
+            <a:pPr algn="l"/>
+            <a:r>
+              <a:rPr lang="en-US" sz="1000" b="1" dirty="0">
+                <a:solidFill>
+                  <a:srgbClr val="FFC000"/>
+                </a:solidFill>
+                <a:latin typeface="微软雅黑" panose="020B0503020204020204" pitchFamily="34" charset="-122"/>
+                <a:ea typeface="微软雅黑" panose="020B0503020204020204" pitchFamily="34" charset="-122"/>
+                <a:cs typeface="华文楷体" panose="02010600040101010101" charset="-122"/>
+              </a:rPr>
+              <a:t>	border-top-color	设置上边框的颜色。	2</a:t>
+            </a:r>
+            <a:endParaRPr lang="en-US" sz="1000" b="1" dirty="0">
+              <a:solidFill>
+                <a:srgbClr val="FFC000"/>
+              </a:solidFill>
+              <a:latin typeface="微软雅黑" panose="020B0503020204020204" pitchFamily="34" charset="-122"/>
+              <a:ea typeface="微软雅黑" panose="020B0503020204020204" pitchFamily="34" charset="-122"/>
+              <a:cs typeface="华文楷体" panose="02010600040101010101" charset="-122"/>
+            </a:endParaRPr>
+          </a:p>
+          <a:p>
+            <a:pPr algn="l"/>
+            <a:r>
+              <a:rPr lang="en-US" sz="1000" b="1" dirty="0">
+                <a:solidFill>
+                  <a:srgbClr val="FFC000"/>
+                </a:solidFill>
+                <a:latin typeface="微软雅黑" panose="020B0503020204020204" pitchFamily="34" charset="-122"/>
+                <a:ea typeface="微软雅黑" panose="020B0503020204020204" pitchFamily="34" charset="-122"/>
+                <a:cs typeface="华文楷体" panose="02010600040101010101" charset="-122"/>
+              </a:rPr>
+              <a:t>	border-top-style	设置上边框的样式。	2</a:t>
+            </a:r>
+            <a:endParaRPr lang="en-US" sz="1000" b="1" dirty="0">
+              <a:solidFill>
+                <a:srgbClr val="FFC000"/>
+              </a:solidFill>
+              <a:latin typeface="微软雅黑" panose="020B0503020204020204" pitchFamily="34" charset="-122"/>
+              <a:ea typeface="微软雅黑" panose="020B0503020204020204" pitchFamily="34" charset="-122"/>
+              <a:cs typeface="华文楷体" panose="02010600040101010101" charset="-122"/>
+            </a:endParaRPr>
+          </a:p>
+          <a:p>
+            <a:pPr algn="l"/>
+            <a:r>
+              <a:rPr lang="en-US" sz="1000" b="1" dirty="0">
+                <a:solidFill>
+                  <a:srgbClr val="FFC000"/>
+                </a:solidFill>
+                <a:latin typeface="微软雅黑" panose="020B0503020204020204" pitchFamily="34" charset="-122"/>
+                <a:ea typeface="微软雅黑" panose="020B0503020204020204" pitchFamily="34" charset="-122"/>
+                <a:cs typeface="华文楷体" panose="02010600040101010101" charset="-122"/>
+              </a:rPr>
+              <a:t>	border-top-width	设置上边框的宽度。	1</a:t>
+            </a:r>
+            <a:endParaRPr lang="en-US" sz="1000" b="1" dirty="0">
+              <a:solidFill>
+                <a:srgbClr val="FFC000"/>
+              </a:solidFill>
+              <a:latin typeface="微软雅黑" panose="020B0503020204020204" pitchFamily="34" charset="-122"/>
+              <a:ea typeface="微软雅黑" panose="020B0503020204020204" pitchFamily="34" charset="-122"/>
+              <a:cs typeface="华文楷体" panose="02010600040101010101" charset="-122"/>
+            </a:endParaRPr>
+          </a:p>
+          <a:p>
+            <a:pPr algn="l"/>
+            <a:r>
+              <a:rPr lang="en-US" sz="1000" b="1" dirty="0">
+                <a:solidFill>
+                  <a:srgbClr val="FFC000"/>
+                </a:solidFill>
+                <a:latin typeface="微软雅黑" panose="020B0503020204020204" pitchFamily="34" charset="-122"/>
+                <a:ea typeface="微软雅黑" panose="020B0503020204020204" pitchFamily="34" charset="-122"/>
+                <a:cs typeface="华文楷体" panose="02010600040101010101" charset="-122"/>
+              </a:rPr>
+              <a:t>	border-width	设置四条边框的宽度。	1</a:t>
+            </a:r>
+            <a:endParaRPr lang="en-US" sz="1000" b="1" dirty="0">
               <a:solidFill>
                 <a:srgbClr val="FFC000"/>
               </a:solidFill>
